--- a/VerticalIntegrationInCyberPysicalSystems.pptx
+++ b/VerticalIntegrationInCyberPysicalSystems.pptx
@@ -5,28 +5,29 @@
     <p:sldMasterId id="2147483727" r:id="rId1"/>
   </p:sldMasterIdLst>
   <p:notesMasterIdLst>
-    <p:notesMasterId r:id="rId13"/>
+    <p:notesMasterId r:id="rId14"/>
   </p:notesMasterIdLst>
   <p:handoutMasterIdLst>
-    <p:handoutMasterId r:id="rId14"/>
+    <p:handoutMasterId r:id="rId15"/>
   </p:handoutMasterIdLst>
   <p:sldIdLst>
     <p:sldId id="328" r:id="rId2"/>
-    <p:sldId id="450" r:id="rId3"/>
-    <p:sldId id="451" r:id="rId4"/>
-    <p:sldId id="433" r:id="rId5"/>
-    <p:sldId id="448" r:id="rId6"/>
-    <p:sldId id="391" r:id="rId7"/>
-    <p:sldId id="427" r:id="rId8"/>
-    <p:sldId id="436" r:id="rId9"/>
-    <p:sldId id="435" r:id="rId10"/>
-    <p:sldId id="438" r:id="rId11"/>
-    <p:sldId id="432" r:id="rId12"/>
+    <p:sldId id="424" r:id="rId3"/>
+    <p:sldId id="450" r:id="rId4"/>
+    <p:sldId id="451" r:id="rId5"/>
+    <p:sldId id="433" r:id="rId6"/>
+    <p:sldId id="448" r:id="rId7"/>
+    <p:sldId id="391" r:id="rId8"/>
+    <p:sldId id="427" r:id="rId9"/>
+    <p:sldId id="436" r:id="rId10"/>
+    <p:sldId id="435" r:id="rId11"/>
+    <p:sldId id="438" r:id="rId12"/>
+    <p:sldId id="432" r:id="rId13"/>
   </p:sldIdLst>
   <p:sldSz cx="12192000" cy="6858000"/>
   <p:notesSz cx="6889750" cy="10021888"/>
   <p:custDataLst>
-    <p:tags r:id="rId15"/>
+    <p:tags r:id="rId16"/>
   </p:custDataLst>
   <p:defaultTextStyle>
     <a:defPPr>
@@ -1618,6 +1619,115 @@
     </pc:docChg>
   </pc:docChgLst>
   <pc:docChgLst>
+    <pc:chgData name="Silvan Castor" userId="13356139-3a6b-4dbe-9ed4-50cba7767b62" providerId="ADAL" clId="{AFB46D9D-3905-49FE-B7FA-58267681EBE7}"/>
+    <pc:docChg chg="undo custSel modSld">
+      <pc:chgData name="Silvan Castor" userId="13356139-3a6b-4dbe-9ed4-50cba7767b62" providerId="ADAL" clId="{AFB46D9D-3905-49FE-B7FA-58267681EBE7}" dt="2023-04-12T21:27:28.933" v="284" actId="20577"/>
+      <pc:docMkLst>
+        <pc:docMk/>
+      </pc:docMkLst>
+      <pc:sldChg chg="modSp">
+        <pc:chgData name="Silvan Castor" userId="13356139-3a6b-4dbe-9ed4-50cba7767b62" providerId="ADAL" clId="{AFB46D9D-3905-49FE-B7FA-58267681EBE7}" dt="2023-04-12T21:27:28.933" v="284" actId="20577"/>
+        <pc:sldMkLst>
+          <pc:docMk/>
+          <pc:sldMk cId="957003818" sldId="353"/>
+        </pc:sldMkLst>
+        <pc:spChg chg="mod">
+          <ac:chgData name="Silvan Castor" userId="13356139-3a6b-4dbe-9ed4-50cba7767b62" providerId="ADAL" clId="{AFB46D9D-3905-49FE-B7FA-58267681EBE7}" dt="2023-04-12T21:27:28.933" v="284" actId="20577"/>
+          <ac:spMkLst>
+            <pc:docMk/>
+            <pc:sldMk cId="957003818" sldId="353"/>
+            <ac:spMk id="5" creationId="{83596032-A999-04DF-E76C-9CCC70855CDF}"/>
+          </ac:spMkLst>
+        </pc:spChg>
+      </pc:sldChg>
+      <pc:sldChg chg="modSp mod">
+        <pc:chgData name="Silvan Castor" userId="13356139-3a6b-4dbe-9ed4-50cba7767b62" providerId="ADAL" clId="{AFB46D9D-3905-49FE-B7FA-58267681EBE7}" dt="2023-04-10T09:43:36.467" v="142" actId="14100"/>
+        <pc:sldMkLst>
+          <pc:docMk/>
+          <pc:sldMk cId="1355612990" sldId="384"/>
+        </pc:sldMkLst>
+        <pc:spChg chg="mod">
+          <ac:chgData name="Silvan Castor" userId="13356139-3a6b-4dbe-9ed4-50cba7767b62" providerId="ADAL" clId="{AFB46D9D-3905-49FE-B7FA-58267681EBE7}" dt="2023-04-10T09:43:36.467" v="142" actId="14100"/>
+          <ac:spMkLst>
+            <pc:docMk/>
+            <pc:sldMk cId="1355612990" sldId="384"/>
+            <ac:spMk id="5" creationId="{83596032-A999-04DF-E76C-9CCC70855CDF}"/>
+          </ac:spMkLst>
+        </pc:spChg>
+      </pc:sldChg>
+      <pc:sldChg chg="modSp mod">
+        <pc:chgData name="Silvan Castor" userId="13356139-3a6b-4dbe-9ed4-50cba7767b62" providerId="ADAL" clId="{AFB46D9D-3905-49FE-B7FA-58267681EBE7}" dt="2023-04-10T09:36:57.346" v="0" actId="20577"/>
+        <pc:sldMkLst>
+          <pc:docMk/>
+          <pc:sldMk cId="1983008318" sldId="385"/>
+        </pc:sldMkLst>
+        <pc:spChg chg="mod">
+          <ac:chgData name="Silvan Castor" userId="13356139-3a6b-4dbe-9ed4-50cba7767b62" providerId="ADAL" clId="{AFB46D9D-3905-49FE-B7FA-58267681EBE7}" dt="2023-04-10T09:36:57.346" v="0" actId="20577"/>
+          <ac:spMkLst>
+            <pc:docMk/>
+            <pc:sldMk cId="1983008318" sldId="385"/>
+            <ac:spMk id="2" creationId="{A545141C-F14B-31AA-7340-A9B78A44E0E9}"/>
+          </ac:spMkLst>
+        </pc:spChg>
+      </pc:sldChg>
+      <pc:sldChg chg="addSp delSp modSp mod">
+        <pc:chgData name="Silvan Castor" userId="13356139-3a6b-4dbe-9ed4-50cba7767b62" providerId="ADAL" clId="{AFB46D9D-3905-49FE-B7FA-58267681EBE7}" dt="2023-04-10T10:20:10.337" v="283" actId="1035"/>
+        <pc:sldMkLst>
+          <pc:docMk/>
+          <pc:sldMk cId="2655675191" sldId="386"/>
+        </pc:sldMkLst>
+        <pc:spChg chg="mod">
+          <ac:chgData name="Silvan Castor" userId="13356139-3a6b-4dbe-9ed4-50cba7767b62" providerId="ADAL" clId="{AFB46D9D-3905-49FE-B7FA-58267681EBE7}" dt="2023-04-10T09:37:51.080" v="70" actId="20577"/>
+          <ac:spMkLst>
+            <pc:docMk/>
+            <pc:sldMk cId="2655675191" sldId="386"/>
+            <ac:spMk id="2" creationId="{A545141C-F14B-31AA-7340-A9B78A44E0E9}"/>
+          </ac:spMkLst>
+        </pc:spChg>
+        <pc:spChg chg="mod">
+          <ac:chgData name="Silvan Castor" userId="13356139-3a6b-4dbe-9ed4-50cba7767b62" providerId="ADAL" clId="{AFB46D9D-3905-49FE-B7FA-58267681EBE7}" dt="2023-04-10T10:19:20.469" v="265" actId="20577"/>
+          <ac:spMkLst>
+            <pc:docMk/>
+            <pc:sldMk cId="2655675191" sldId="386"/>
+            <ac:spMk id="5" creationId="{83596032-A999-04DF-E76C-9CCC70855CDF}"/>
+          </ac:spMkLst>
+        </pc:spChg>
+        <pc:spChg chg="add mod">
+          <ac:chgData name="Silvan Castor" userId="13356139-3a6b-4dbe-9ed4-50cba7767b62" providerId="ADAL" clId="{AFB46D9D-3905-49FE-B7FA-58267681EBE7}" dt="2023-04-10T10:20:05.746" v="279" actId="14100"/>
+          <ac:spMkLst>
+            <pc:docMk/>
+            <pc:sldMk cId="2655675191" sldId="386"/>
+            <ac:spMk id="14" creationId="{2A7FB6E1-CB1A-CD13-E0A0-D281E5FCC5A7}"/>
+          </ac:spMkLst>
+        </pc:spChg>
+        <pc:picChg chg="add del mod modCrop">
+          <ac:chgData name="Silvan Castor" userId="13356139-3a6b-4dbe-9ed4-50cba7767b62" providerId="ADAL" clId="{AFB46D9D-3905-49FE-B7FA-58267681EBE7}" dt="2023-04-10T10:16:28.223" v="180" actId="478"/>
+          <ac:picMkLst>
+            <pc:docMk/>
+            <pc:sldMk cId="2655675191" sldId="386"/>
+            <ac:picMk id="9" creationId="{5CD600C3-E1FD-0411-662A-5C4BEC74B0F7}"/>
+          </ac:picMkLst>
+        </pc:picChg>
+        <pc:picChg chg="add del mod modCrop">
+          <ac:chgData name="Silvan Castor" userId="13356139-3a6b-4dbe-9ed4-50cba7767b62" providerId="ADAL" clId="{AFB46D9D-3905-49FE-B7FA-58267681EBE7}" dt="2023-04-10T10:18:06.908" v="196" actId="478"/>
+          <ac:picMkLst>
+            <pc:docMk/>
+            <pc:sldMk cId="2655675191" sldId="386"/>
+            <ac:picMk id="11" creationId="{E860C357-D571-1401-9BA2-F538B7A598DD}"/>
+          </ac:picMkLst>
+        </pc:picChg>
+        <pc:picChg chg="add mod modCrop">
+          <ac:chgData name="Silvan Castor" userId="13356139-3a6b-4dbe-9ed4-50cba7767b62" providerId="ADAL" clId="{AFB46D9D-3905-49FE-B7FA-58267681EBE7}" dt="2023-04-10T10:20:10.337" v="283" actId="1035"/>
+          <ac:picMkLst>
+            <pc:docMk/>
+            <pc:sldMk cId="2655675191" sldId="386"/>
+            <ac:picMk id="13" creationId="{E4FBB60E-C6B2-0829-2DB2-652C1162E3F1}"/>
+          </ac:picMkLst>
+        </pc:picChg>
+      </pc:sldChg>
+    </pc:docChg>
+  </pc:docChgLst>
+  <pc:docChgLst>
     <pc:chgData name="Michael Roth" userId="0522d19e-d6cf-4f3f-a48a-30e2a66810ab" providerId="ADAL" clId="{B61972A0-2728-42CF-891D-67B64D05E7FC}"/>
     <pc:docChg chg="undo redo custSel addSld delSld modSld sldOrd modMainMaster">
       <pc:chgData name="Michael Roth" userId="0522d19e-d6cf-4f3f-a48a-30e2a66810ab" providerId="ADAL" clId="{B61972A0-2728-42CF-891D-67B64D05E7FC}" dt="2023-11-19T22:19:17.744" v="13678" actId="14100"/>
@@ -2981,115 +3091,6 @@
           </pc:spChg>
         </pc:sldLayoutChg>
       </pc:sldMasterChg>
-    </pc:docChg>
-  </pc:docChgLst>
-  <pc:docChgLst>
-    <pc:chgData name="Silvan Castor" userId="13356139-3a6b-4dbe-9ed4-50cba7767b62" providerId="ADAL" clId="{AFB46D9D-3905-49FE-B7FA-58267681EBE7}"/>
-    <pc:docChg chg="undo custSel modSld">
-      <pc:chgData name="Silvan Castor" userId="13356139-3a6b-4dbe-9ed4-50cba7767b62" providerId="ADAL" clId="{AFB46D9D-3905-49FE-B7FA-58267681EBE7}" dt="2023-04-12T21:27:28.933" v="284" actId="20577"/>
-      <pc:docMkLst>
-        <pc:docMk/>
-      </pc:docMkLst>
-      <pc:sldChg chg="modSp">
-        <pc:chgData name="Silvan Castor" userId="13356139-3a6b-4dbe-9ed4-50cba7767b62" providerId="ADAL" clId="{AFB46D9D-3905-49FE-B7FA-58267681EBE7}" dt="2023-04-12T21:27:28.933" v="284" actId="20577"/>
-        <pc:sldMkLst>
-          <pc:docMk/>
-          <pc:sldMk cId="957003818" sldId="353"/>
-        </pc:sldMkLst>
-        <pc:spChg chg="mod">
-          <ac:chgData name="Silvan Castor" userId="13356139-3a6b-4dbe-9ed4-50cba7767b62" providerId="ADAL" clId="{AFB46D9D-3905-49FE-B7FA-58267681EBE7}" dt="2023-04-12T21:27:28.933" v="284" actId="20577"/>
-          <ac:spMkLst>
-            <pc:docMk/>
-            <pc:sldMk cId="957003818" sldId="353"/>
-            <ac:spMk id="5" creationId="{83596032-A999-04DF-E76C-9CCC70855CDF}"/>
-          </ac:spMkLst>
-        </pc:spChg>
-      </pc:sldChg>
-      <pc:sldChg chg="modSp mod">
-        <pc:chgData name="Silvan Castor" userId="13356139-3a6b-4dbe-9ed4-50cba7767b62" providerId="ADAL" clId="{AFB46D9D-3905-49FE-B7FA-58267681EBE7}" dt="2023-04-10T09:43:36.467" v="142" actId="14100"/>
-        <pc:sldMkLst>
-          <pc:docMk/>
-          <pc:sldMk cId="1355612990" sldId="384"/>
-        </pc:sldMkLst>
-        <pc:spChg chg="mod">
-          <ac:chgData name="Silvan Castor" userId="13356139-3a6b-4dbe-9ed4-50cba7767b62" providerId="ADAL" clId="{AFB46D9D-3905-49FE-B7FA-58267681EBE7}" dt="2023-04-10T09:43:36.467" v="142" actId="14100"/>
-          <ac:spMkLst>
-            <pc:docMk/>
-            <pc:sldMk cId="1355612990" sldId="384"/>
-            <ac:spMk id="5" creationId="{83596032-A999-04DF-E76C-9CCC70855CDF}"/>
-          </ac:spMkLst>
-        </pc:spChg>
-      </pc:sldChg>
-      <pc:sldChg chg="modSp mod">
-        <pc:chgData name="Silvan Castor" userId="13356139-3a6b-4dbe-9ed4-50cba7767b62" providerId="ADAL" clId="{AFB46D9D-3905-49FE-B7FA-58267681EBE7}" dt="2023-04-10T09:36:57.346" v="0" actId="20577"/>
-        <pc:sldMkLst>
-          <pc:docMk/>
-          <pc:sldMk cId="1983008318" sldId="385"/>
-        </pc:sldMkLst>
-        <pc:spChg chg="mod">
-          <ac:chgData name="Silvan Castor" userId="13356139-3a6b-4dbe-9ed4-50cba7767b62" providerId="ADAL" clId="{AFB46D9D-3905-49FE-B7FA-58267681EBE7}" dt="2023-04-10T09:36:57.346" v="0" actId="20577"/>
-          <ac:spMkLst>
-            <pc:docMk/>
-            <pc:sldMk cId="1983008318" sldId="385"/>
-            <ac:spMk id="2" creationId="{A545141C-F14B-31AA-7340-A9B78A44E0E9}"/>
-          </ac:spMkLst>
-        </pc:spChg>
-      </pc:sldChg>
-      <pc:sldChg chg="addSp delSp modSp mod">
-        <pc:chgData name="Silvan Castor" userId="13356139-3a6b-4dbe-9ed4-50cba7767b62" providerId="ADAL" clId="{AFB46D9D-3905-49FE-B7FA-58267681EBE7}" dt="2023-04-10T10:20:10.337" v="283" actId="1035"/>
-        <pc:sldMkLst>
-          <pc:docMk/>
-          <pc:sldMk cId="2655675191" sldId="386"/>
-        </pc:sldMkLst>
-        <pc:spChg chg="mod">
-          <ac:chgData name="Silvan Castor" userId="13356139-3a6b-4dbe-9ed4-50cba7767b62" providerId="ADAL" clId="{AFB46D9D-3905-49FE-B7FA-58267681EBE7}" dt="2023-04-10T09:37:51.080" v="70" actId="20577"/>
-          <ac:spMkLst>
-            <pc:docMk/>
-            <pc:sldMk cId="2655675191" sldId="386"/>
-            <ac:spMk id="2" creationId="{A545141C-F14B-31AA-7340-A9B78A44E0E9}"/>
-          </ac:spMkLst>
-        </pc:spChg>
-        <pc:spChg chg="mod">
-          <ac:chgData name="Silvan Castor" userId="13356139-3a6b-4dbe-9ed4-50cba7767b62" providerId="ADAL" clId="{AFB46D9D-3905-49FE-B7FA-58267681EBE7}" dt="2023-04-10T10:19:20.469" v="265" actId="20577"/>
-          <ac:spMkLst>
-            <pc:docMk/>
-            <pc:sldMk cId="2655675191" sldId="386"/>
-            <ac:spMk id="5" creationId="{83596032-A999-04DF-E76C-9CCC70855CDF}"/>
-          </ac:spMkLst>
-        </pc:spChg>
-        <pc:spChg chg="add mod">
-          <ac:chgData name="Silvan Castor" userId="13356139-3a6b-4dbe-9ed4-50cba7767b62" providerId="ADAL" clId="{AFB46D9D-3905-49FE-B7FA-58267681EBE7}" dt="2023-04-10T10:20:05.746" v="279" actId="14100"/>
-          <ac:spMkLst>
-            <pc:docMk/>
-            <pc:sldMk cId="2655675191" sldId="386"/>
-            <ac:spMk id="14" creationId="{2A7FB6E1-CB1A-CD13-E0A0-D281E5FCC5A7}"/>
-          </ac:spMkLst>
-        </pc:spChg>
-        <pc:picChg chg="add del mod modCrop">
-          <ac:chgData name="Silvan Castor" userId="13356139-3a6b-4dbe-9ed4-50cba7767b62" providerId="ADAL" clId="{AFB46D9D-3905-49FE-B7FA-58267681EBE7}" dt="2023-04-10T10:16:28.223" v="180" actId="478"/>
-          <ac:picMkLst>
-            <pc:docMk/>
-            <pc:sldMk cId="2655675191" sldId="386"/>
-            <ac:picMk id="9" creationId="{5CD600C3-E1FD-0411-662A-5C4BEC74B0F7}"/>
-          </ac:picMkLst>
-        </pc:picChg>
-        <pc:picChg chg="add del mod modCrop">
-          <ac:chgData name="Silvan Castor" userId="13356139-3a6b-4dbe-9ed4-50cba7767b62" providerId="ADAL" clId="{AFB46D9D-3905-49FE-B7FA-58267681EBE7}" dt="2023-04-10T10:18:06.908" v="196" actId="478"/>
-          <ac:picMkLst>
-            <pc:docMk/>
-            <pc:sldMk cId="2655675191" sldId="386"/>
-            <ac:picMk id="11" creationId="{E860C357-D571-1401-9BA2-F538B7A598DD}"/>
-          </ac:picMkLst>
-        </pc:picChg>
-        <pc:picChg chg="add mod modCrop">
-          <ac:chgData name="Silvan Castor" userId="13356139-3a6b-4dbe-9ed4-50cba7767b62" providerId="ADAL" clId="{AFB46D9D-3905-49FE-B7FA-58267681EBE7}" dt="2023-04-10T10:20:10.337" v="283" actId="1035"/>
-          <ac:picMkLst>
-            <pc:docMk/>
-            <pc:sldMk cId="2655675191" sldId="386"/>
-            <ac:picMk id="13" creationId="{E4FBB60E-C6B2-0829-2DB2-652C1162E3F1}"/>
-          </ac:picMkLst>
-        </pc:picChg>
-      </pc:sldChg>
     </pc:docChg>
   </pc:docChgLst>
   <pc:docChgLst>
@@ -20305,8 +20306,8 @@
         </p:nvSpPr>
         <p:spPr>
           <a:xfrm>
-            <a:off x="296863" y="750888"/>
-            <a:ext cx="2082800" cy="1173162"/>
+            <a:off x="104775" y="750888"/>
+            <a:ext cx="6680200" cy="3759200"/>
           </a:xfrm>
         </p:spPr>
       </p:sp>
@@ -20356,6 +20357,96 @@
     </p:spTree>
     <p:extLst>
       <p:ext uri="{BB962C8B-B14F-4D97-AF65-F5344CB8AC3E}">
+        <p14:creationId xmlns:p14="http://schemas.microsoft.com/office/powerpoint/2010/main" val="2251466107"/>
+      </p:ext>
+    </p:extLst>
+  </p:cSld>
+  <p:clrMapOvr>
+    <a:masterClrMapping/>
+  </p:clrMapOvr>
+</p:notes>
+</file>
+
+<file path=ppt/notesSlides/notesSlide11.xml><?xml version="1.0" encoding="utf-8"?>
+<p:notes xmlns:a="http://schemas.openxmlformats.org/drawingml/2006/main" xmlns:r="http://schemas.openxmlformats.org/officeDocument/2006/relationships" xmlns:p="http://schemas.openxmlformats.org/presentationml/2006/main">
+  <p:cSld>
+    <p:spTree>
+      <p:nvGrpSpPr>
+        <p:cNvPr id="1" name=""/>
+        <p:cNvGrpSpPr/>
+        <p:nvPr/>
+      </p:nvGrpSpPr>
+      <p:grpSpPr>
+        <a:xfrm>
+          <a:off x="0" y="0"/>
+          <a:ext cx="0" cy="0"/>
+          <a:chOff x="0" y="0"/>
+          <a:chExt cx="0" cy="0"/>
+        </a:xfrm>
+      </p:grpSpPr>
+      <p:sp>
+        <p:nvSpPr>
+          <p:cNvPr id="2" name="Folienbildplatzhalter 1"/>
+          <p:cNvSpPr>
+            <a:spLocks noGrp="1" noRot="1" noChangeAspect="1"/>
+          </p:cNvSpPr>
+          <p:nvPr>
+            <p:ph type="sldImg"/>
+          </p:nvPr>
+        </p:nvSpPr>
+        <p:spPr>
+          <a:xfrm>
+            <a:off x="296863" y="750888"/>
+            <a:ext cx="2082800" cy="1173162"/>
+          </a:xfrm>
+        </p:spPr>
+      </p:sp>
+      <p:sp>
+        <p:nvSpPr>
+          <p:cNvPr id="3" name="Notizenplatzhalter 2"/>
+          <p:cNvSpPr>
+            <a:spLocks noGrp="1"/>
+          </p:cNvSpPr>
+          <p:nvPr>
+            <p:ph type="body" idx="1"/>
+          </p:nvPr>
+        </p:nvSpPr>
+        <p:spPr/>
+        <p:txBody>
+          <a:bodyPr/>
+          <a:lstStyle/>
+          <a:p>
+            <a:endParaRPr lang="de-DE" dirty="0"/>
+          </a:p>
+        </p:txBody>
+      </p:sp>
+      <p:sp>
+        <p:nvSpPr>
+          <p:cNvPr id="4" name="Foliennummernplatzhalter 3"/>
+          <p:cNvSpPr>
+            <a:spLocks noGrp="1"/>
+          </p:cNvSpPr>
+          <p:nvPr>
+            <p:ph type="sldNum" sz="quarter" idx="5"/>
+          </p:nvPr>
+        </p:nvSpPr>
+        <p:spPr/>
+        <p:txBody>
+          <a:bodyPr/>
+          <a:lstStyle/>
+          <a:p>
+            <a:fld id="{1760A340-2167-4270-89CF-50EB6C0DB420}" type="slidenum">
+              <a:rPr lang="de-DE" altLang="de-DE" smtClean="0"/>
+              <a:pPr/>
+              <a:t>11</a:t>
+            </a:fld>
+            <a:endParaRPr lang="de-DE" altLang="de-DE"/>
+          </a:p>
+        </p:txBody>
+      </p:sp>
+    </p:spTree>
+    <p:extLst>
+      <p:ext uri="{BB962C8B-B14F-4D97-AF65-F5344CB8AC3E}">
         <p14:creationId xmlns:p14="http://schemas.microsoft.com/office/powerpoint/2010/main" val="3381618963"/>
       </p:ext>
     </p:extLst>
@@ -20366,7 +20457,7 @@
 </p:notes>
 </file>
 
-<file path=ppt/notesSlides/notesSlide11.xml><?xml version="1.0" encoding="utf-8"?>
+<file path=ppt/notesSlides/notesSlide12.xml><?xml version="1.0" encoding="utf-8"?>
 <p:notes xmlns:a="http://schemas.openxmlformats.org/drawingml/2006/main" xmlns:r="http://schemas.openxmlformats.org/officeDocument/2006/relationships" xmlns:p="http://schemas.openxmlformats.org/presentationml/2006/main">
   <p:cSld>
     <p:spTree>
@@ -20437,7 +20528,7 @@
             <a:fld id="{1760A340-2167-4270-89CF-50EB6C0DB420}" type="slidenum">
               <a:rPr lang="de-DE" altLang="de-DE" smtClean="0"/>
               <a:pPr/>
-              <a:t>11</a:t>
+              <a:t>12</a:t>
             </a:fld>
             <a:endParaRPr lang="de-DE" altLang="de-DE"/>
           </a:p>
@@ -20457,6 +20548,113 @@
 </file>
 
 <file path=ppt/notesSlides/notesSlide2.xml><?xml version="1.0" encoding="utf-8"?>
+<p:notes xmlns:a="http://schemas.openxmlformats.org/drawingml/2006/main" xmlns:r="http://schemas.openxmlformats.org/officeDocument/2006/relationships" xmlns:p="http://schemas.openxmlformats.org/presentationml/2006/main">
+  <p:cSld>
+    <p:spTree>
+      <p:nvGrpSpPr>
+        <p:cNvPr id="1" name=""/>
+        <p:cNvGrpSpPr/>
+        <p:nvPr/>
+      </p:nvGrpSpPr>
+      <p:grpSpPr>
+        <a:xfrm>
+          <a:off x="0" y="0"/>
+          <a:ext cx="0" cy="0"/>
+          <a:chOff x="0" y="0"/>
+          <a:chExt cx="0" cy="0"/>
+        </a:xfrm>
+      </p:grpSpPr>
+      <p:sp>
+        <p:nvSpPr>
+          <p:cNvPr id="2" name="Folienbildplatzhalter 1"/>
+          <p:cNvSpPr>
+            <a:spLocks noGrp="1" noRot="1" noChangeAspect="1"/>
+          </p:cNvSpPr>
+          <p:nvPr>
+            <p:ph type="sldImg"/>
+          </p:nvPr>
+        </p:nvSpPr>
+        <p:spPr>
+          <a:xfrm>
+            <a:off x="104775" y="750888"/>
+            <a:ext cx="6680200" cy="3759200"/>
+          </a:xfrm>
+        </p:spPr>
+      </p:sp>
+      <p:sp>
+        <p:nvSpPr>
+          <p:cNvPr id="3" name="Notizenplatzhalter 2"/>
+          <p:cNvSpPr>
+            <a:spLocks noGrp="1"/>
+          </p:cNvSpPr>
+          <p:nvPr>
+            <p:ph type="body" idx="1"/>
+          </p:nvPr>
+        </p:nvSpPr>
+        <p:spPr/>
+        <p:txBody>
+          <a:bodyPr/>
+          <a:lstStyle/>
+          <a:p>
+            <a:pPr marL="0" marR="0" lvl="0" indent="0" algn="l" defTabSz="914400" rtl="0" eaLnBrk="0" fontAlgn="base" latinLnBrk="0" hangingPunct="0">
+              <a:lnSpc>
+                <a:spcPct val="100000"/>
+              </a:lnSpc>
+              <a:spcBef>
+                <a:spcPct val="30000"/>
+              </a:spcBef>
+              <a:spcAft>
+                <a:spcPct val="0"/>
+              </a:spcAft>
+              <a:buClrTx/>
+              <a:buSzTx/>
+              <a:buFontTx/>
+              <a:buNone/>
+              <a:tabLst/>
+              <a:defRPr/>
+            </a:pPr>
+            <a:endParaRPr lang="de-DE" dirty="0"/>
+          </a:p>
+        </p:txBody>
+      </p:sp>
+      <p:sp>
+        <p:nvSpPr>
+          <p:cNvPr id="4" name="Foliennummernplatzhalter 3"/>
+          <p:cNvSpPr>
+            <a:spLocks noGrp="1"/>
+          </p:cNvSpPr>
+          <p:nvPr>
+            <p:ph type="sldNum" sz="quarter" idx="5"/>
+          </p:nvPr>
+        </p:nvSpPr>
+        <p:spPr/>
+        <p:txBody>
+          <a:bodyPr/>
+          <a:lstStyle/>
+          <a:p>
+            <a:fld id="{1760A340-2167-4270-89CF-50EB6C0DB420}" type="slidenum">
+              <a:rPr lang="de-DE" altLang="de-DE" smtClean="0"/>
+              <a:pPr/>
+              <a:t>2</a:t>
+            </a:fld>
+            <a:endParaRPr lang="de-DE" altLang="de-DE"/>
+          </a:p>
+        </p:txBody>
+      </p:sp>
+    </p:spTree>
+    <p:extLst>
+      <p:ext uri="{BB962C8B-B14F-4D97-AF65-F5344CB8AC3E}">
+        <p14:creationId xmlns:p14="http://schemas.microsoft.com/office/powerpoint/2010/main" val="1802929793"/>
+      </p:ext>
+    </p:extLst>
+  </p:cSld>
+  <p:clrMapOvr>
+    <a:masterClrMapping/>
+  </p:clrMapOvr>
+</p:notes>
+</file>
+
+<file path=ppt/notesSlides/notesSlide3.xml><?xml version="1.0" encoding="utf-8"?>
 <p:notes xmlns:a="http://schemas.openxmlformats.org/drawingml/2006/main" xmlns:r="http://schemas.openxmlformats.org/officeDocument/2006/relationships" xmlns:p="http://schemas.openxmlformats.org/presentationml/2006/main">
   <p:cSld>
     <p:spTree>
@@ -20527,7 +20725,7 @@
             <a:fld id="{1760A340-2167-4270-89CF-50EB6C0DB420}" type="slidenum">
               <a:rPr lang="de-DE" altLang="de-DE" smtClean="0"/>
               <a:pPr/>
-              <a:t>2</a:t>
+              <a:t>3</a:t>
             </a:fld>
             <a:endParaRPr lang="de-DE" altLang="de-DE"/>
           </a:p>
@@ -20546,7 +20744,7 @@
 </p:notes>
 </file>
 
-<file path=ppt/notesSlides/notesSlide3.xml><?xml version="1.0" encoding="utf-8"?>
+<file path=ppt/notesSlides/notesSlide4.xml><?xml version="1.0" encoding="utf-8"?>
 <p:notes xmlns:a="http://schemas.openxmlformats.org/drawingml/2006/main" xmlns:r="http://schemas.openxmlformats.org/officeDocument/2006/relationships" xmlns:p="http://schemas.openxmlformats.org/presentationml/2006/main">
   <p:cSld>
     <p:spTree>
@@ -20617,7 +20815,7 @@
             <a:fld id="{1760A340-2167-4270-89CF-50EB6C0DB420}" type="slidenum">
               <a:rPr lang="de-DE" altLang="de-DE" smtClean="0"/>
               <a:pPr/>
-              <a:t>3</a:t>
+              <a:t>4</a:t>
             </a:fld>
             <a:endParaRPr lang="de-DE" altLang="de-DE"/>
           </a:p>
@@ -20636,7 +20834,7 @@
 </p:notes>
 </file>
 
-<file path=ppt/notesSlides/notesSlide4.xml><?xml version="1.0" encoding="utf-8"?>
+<file path=ppt/notesSlides/notesSlide5.xml><?xml version="1.0" encoding="utf-8"?>
 <p:notes xmlns:a="http://schemas.openxmlformats.org/drawingml/2006/main" xmlns:r="http://schemas.openxmlformats.org/officeDocument/2006/relationships" xmlns:p="http://schemas.openxmlformats.org/presentationml/2006/main">
   <p:cSld>
     <p:spTree>
@@ -20710,7 +20908,7 @@
             <a:fld id="{1760A340-2167-4270-89CF-50EB6C0DB420}" type="slidenum">
               <a:rPr lang="de-DE" altLang="de-DE" smtClean="0"/>
               <a:pPr/>
-              <a:t>4</a:t>
+              <a:t>5</a:t>
             </a:fld>
             <a:endParaRPr lang="de-DE" altLang="de-DE"/>
           </a:p>
@@ -20729,7 +20927,7 @@
 </p:notes>
 </file>
 
-<file path=ppt/notesSlides/notesSlide5.xml><?xml version="1.0" encoding="utf-8"?>
+<file path=ppt/notesSlides/notesSlide6.xml><?xml version="1.0" encoding="utf-8"?>
 <p:notes xmlns:a="http://schemas.openxmlformats.org/drawingml/2006/main" xmlns:r="http://schemas.openxmlformats.org/officeDocument/2006/relationships" xmlns:p="http://schemas.openxmlformats.org/presentationml/2006/main">
   <p:cSld>
     <p:spTree>
@@ -20820,7 +21018,7 @@
             <a:fld id="{1760A340-2167-4270-89CF-50EB6C0DB420}" type="slidenum">
               <a:rPr lang="de-DE" altLang="de-DE" smtClean="0"/>
               <a:pPr/>
-              <a:t>5</a:t>
+              <a:t>6</a:t>
             </a:fld>
             <a:endParaRPr lang="de-DE" altLang="de-DE"/>
           </a:p>
@@ -20839,7 +21037,7 @@
 </p:notes>
 </file>
 
-<file path=ppt/notesSlides/notesSlide6.xml><?xml version="1.0" encoding="utf-8"?>
+<file path=ppt/notesSlides/notesSlide7.xml><?xml version="1.0" encoding="utf-8"?>
 <p:notes xmlns:a="http://schemas.openxmlformats.org/drawingml/2006/main" xmlns:r="http://schemas.openxmlformats.org/officeDocument/2006/relationships" xmlns:p="http://schemas.openxmlformats.org/presentationml/2006/main">
   <p:cSld>
     <p:spTree>
@@ -20908,7 +21106,7 @@
             <a:fld id="{1760A340-2167-4270-89CF-50EB6C0DB420}" type="slidenum">
               <a:rPr lang="de-DE" altLang="de-DE" smtClean="0"/>
               <a:pPr/>
-              <a:t>6</a:t>
+              <a:t>7</a:t>
             </a:fld>
             <a:endParaRPr lang="de-DE" altLang="de-DE"/>
           </a:p>
@@ -20927,7 +21125,7 @@
 </p:notes>
 </file>
 
-<file path=ppt/notesSlides/notesSlide7.xml><?xml version="1.0" encoding="utf-8"?>
+<file path=ppt/notesSlides/notesSlide8.xml><?xml version="1.0" encoding="utf-8"?>
 <p:notes xmlns:a="http://schemas.openxmlformats.org/drawingml/2006/main" xmlns:r="http://schemas.openxmlformats.org/officeDocument/2006/relationships" xmlns:p="http://schemas.openxmlformats.org/presentationml/2006/main">
   <p:cSld>
     <p:spTree>
@@ -21015,7 +21213,7 @@
             <a:fld id="{1760A340-2167-4270-89CF-50EB6C0DB420}" type="slidenum">
               <a:rPr lang="de-DE" altLang="de-DE" smtClean="0"/>
               <a:pPr/>
-              <a:t>7</a:t>
+              <a:t>8</a:t>
             </a:fld>
             <a:endParaRPr lang="de-DE" altLang="de-DE"/>
           </a:p>
@@ -21025,96 +21223,6 @@
     <p:extLst>
       <p:ext uri="{BB962C8B-B14F-4D97-AF65-F5344CB8AC3E}">
         <p14:creationId xmlns:p14="http://schemas.microsoft.com/office/powerpoint/2010/main" val="2293584335"/>
-      </p:ext>
-    </p:extLst>
-  </p:cSld>
-  <p:clrMapOvr>
-    <a:masterClrMapping/>
-  </p:clrMapOvr>
-</p:notes>
-</file>
-
-<file path=ppt/notesSlides/notesSlide8.xml><?xml version="1.0" encoding="utf-8"?>
-<p:notes xmlns:a="http://schemas.openxmlformats.org/drawingml/2006/main" xmlns:r="http://schemas.openxmlformats.org/officeDocument/2006/relationships" xmlns:p="http://schemas.openxmlformats.org/presentationml/2006/main">
-  <p:cSld>
-    <p:spTree>
-      <p:nvGrpSpPr>
-        <p:cNvPr id="1" name=""/>
-        <p:cNvGrpSpPr/>
-        <p:nvPr/>
-      </p:nvGrpSpPr>
-      <p:grpSpPr>
-        <a:xfrm>
-          <a:off x="0" y="0"/>
-          <a:ext cx="0" cy="0"/>
-          <a:chOff x="0" y="0"/>
-          <a:chExt cx="0" cy="0"/>
-        </a:xfrm>
-      </p:grpSpPr>
-      <p:sp>
-        <p:nvSpPr>
-          <p:cNvPr id="2" name="Folienbildplatzhalter 1"/>
-          <p:cNvSpPr>
-            <a:spLocks noGrp="1" noRot="1" noChangeAspect="1"/>
-          </p:cNvSpPr>
-          <p:nvPr>
-            <p:ph type="sldImg"/>
-          </p:nvPr>
-        </p:nvSpPr>
-        <p:spPr>
-          <a:xfrm>
-            <a:off x="104775" y="750888"/>
-            <a:ext cx="6680200" cy="3759200"/>
-          </a:xfrm>
-        </p:spPr>
-      </p:sp>
-      <p:sp>
-        <p:nvSpPr>
-          <p:cNvPr id="3" name="Notizenplatzhalter 2"/>
-          <p:cNvSpPr>
-            <a:spLocks noGrp="1"/>
-          </p:cNvSpPr>
-          <p:nvPr>
-            <p:ph type="body" idx="1"/>
-          </p:nvPr>
-        </p:nvSpPr>
-        <p:spPr/>
-        <p:txBody>
-          <a:bodyPr/>
-          <a:lstStyle/>
-          <a:p>
-            <a:endParaRPr lang="de-DE" dirty="0"/>
-          </a:p>
-        </p:txBody>
-      </p:sp>
-      <p:sp>
-        <p:nvSpPr>
-          <p:cNvPr id="4" name="Foliennummernplatzhalter 3"/>
-          <p:cNvSpPr>
-            <a:spLocks noGrp="1"/>
-          </p:cNvSpPr>
-          <p:nvPr>
-            <p:ph type="sldNum" sz="quarter" idx="5"/>
-          </p:nvPr>
-        </p:nvSpPr>
-        <p:spPr/>
-        <p:txBody>
-          <a:bodyPr/>
-          <a:lstStyle/>
-          <a:p>
-            <a:fld id="{1760A340-2167-4270-89CF-50EB6C0DB420}" type="slidenum">
-              <a:rPr lang="de-DE" altLang="de-DE" smtClean="0"/>
-              <a:pPr/>
-              <a:t>8</a:t>
-            </a:fld>
-            <a:endParaRPr lang="de-DE" altLang="de-DE"/>
-          </a:p>
-        </p:txBody>
-      </p:sp>
-    </p:spTree>
-    <p:extLst>
-      <p:ext uri="{BB962C8B-B14F-4D97-AF65-F5344CB8AC3E}">
-        <p14:creationId xmlns:p14="http://schemas.microsoft.com/office/powerpoint/2010/main" val="1888640741"/>
       </p:ext>
     </p:extLst>
   </p:cSld>
@@ -21204,7 +21312,7 @@
     </p:spTree>
     <p:extLst>
       <p:ext uri="{BB962C8B-B14F-4D97-AF65-F5344CB8AC3E}">
-        <p14:creationId xmlns:p14="http://schemas.microsoft.com/office/powerpoint/2010/main" val="2251466107"/>
+        <p14:creationId xmlns:p14="http://schemas.microsoft.com/office/powerpoint/2010/main" val="1888640741"/>
       </p:ext>
     </p:extLst>
   </p:cSld>
@@ -25016,6 +25124,635 @@
           <a:chExt cx="0" cy="0"/>
         </a:xfrm>
       </p:grpSpPr>
+      <p:sp>
+        <p:nvSpPr>
+          <p:cNvPr id="39" name="Titel 1">
+            <a:extLst>
+              <a:ext uri="{FF2B5EF4-FFF2-40B4-BE49-F238E27FC236}">
+                <a16:creationId xmlns:a16="http://schemas.microsoft.com/office/drawing/2014/main" id="{70F7F0A0-1187-B568-A428-4732C42400B0}"/>
+              </a:ext>
+            </a:extLst>
+          </p:cNvPr>
+          <p:cNvSpPr txBox="1">
+            <a:spLocks/>
+          </p:cNvSpPr>
+          <p:nvPr/>
+        </p:nvSpPr>
+        <p:spPr>
+          <a:xfrm>
+            <a:off x="838200" y="365125"/>
+            <a:ext cx="10515600" cy="1325563"/>
+          </a:xfrm>
+          <a:prstGeom prst="rect">
+            <a:avLst/>
+          </a:prstGeom>
+        </p:spPr>
+        <p:txBody>
+          <a:bodyPr vert="horz" lIns="91440" tIns="45720" rIns="91440" bIns="45720" rtlCol="0" anchor="ctr" anchorCtr="0">
+            <a:normAutofit/>
+          </a:bodyPr>
+          <a:lstStyle>
+            <a:lvl1pPr algn="ctr" defTabSz="685800" rtl="0" eaLnBrk="1" latinLnBrk="0" hangingPunct="1">
+              <a:lnSpc>
+                <a:spcPct val="90000"/>
+              </a:lnSpc>
+              <a:spcBef>
+                <a:spcPct val="0"/>
+              </a:spcBef>
+              <a:buNone/>
+              <a:defRPr sz="4500" kern="1200">
+                <a:solidFill>
+                  <a:schemeClr val="tx1"/>
+                </a:solidFill>
+                <a:latin typeface="+mj-lt"/>
+                <a:ea typeface="+mj-ea"/>
+                <a:cs typeface="+mj-cs"/>
+              </a:defRPr>
+            </a:lvl1pPr>
+          </a:lstStyle>
+          <a:p>
+            <a:pPr algn="l"/>
+            <a:r>
+              <a:rPr lang="de-DE" sz="4400" dirty="0">
+                <a:latin typeface="Segoe UI Light" panose="020B0502040204020203" pitchFamily="34" charset="0"/>
+                <a:cs typeface="Segoe UI Light" panose="020B0502040204020203" pitchFamily="34" charset="0"/>
+              </a:rPr>
+              <a:t>Validation</a:t>
+            </a:r>
+            <a:endParaRPr lang="en-US" sz="4400" dirty="0">
+              <a:latin typeface="Segoe UI Light" panose="020B0502040204020203" pitchFamily="34" charset="0"/>
+              <a:cs typeface="Segoe UI Light" panose="020B0502040204020203" pitchFamily="34" charset="0"/>
+            </a:endParaRPr>
+          </a:p>
+        </p:txBody>
+      </p:sp>
+      <p:sp>
+        <p:nvSpPr>
+          <p:cNvPr id="4" name="Textplatzhalter 4">
+            <a:extLst>
+              <a:ext uri="{FF2B5EF4-FFF2-40B4-BE49-F238E27FC236}">
+                <a16:creationId xmlns:a16="http://schemas.microsoft.com/office/drawing/2014/main" id="{BAC39E3B-D0A8-611D-751F-0CDFFC4C578F}"/>
+              </a:ext>
+            </a:extLst>
+          </p:cNvPr>
+          <p:cNvSpPr txBox="1">
+            <a:spLocks/>
+          </p:cNvSpPr>
+          <p:nvPr/>
+        </p:nvSpPr>
+        <p:spPr>
+          <a:xfrm>
+            <a:off x="838200" y="1972918"/>
+            <a:ext cx="6396258" cy="3221356"/>
+          </a:xfrm>
+          <a:prstGeom prst="rect">
+            <a:avLst/>
+          </a:prstGeom>
+        </p:spPr>
+        <p:txBody>
+          <a:bodyPr vert="horz" lIns="91440" tIns="45720" rIns="91440" bIns="45720" rtlCol="0">
+            <a:normAutofit/>
+          </a:bodyPr>
+          <a:lstStyle>
+            <a:lvl1pPr marL="0" indent="0" algn="ctr" defTabSz="685800" rtl="0" eaLnBrk="1" latinLnBrk="0" hangingPunct="1">
+              <a:lnSpc>
+                <a:spcPct val="90000"/>
+              </a:lnSpc>
+              <a:spcBef>
+                <a:spcPts val="750"/>
+              </a:spcBef>
+              <a:buFont typeface="Arial" panose="020B0604020202020204" pitchFamily="34" charset="0"/>
+              <a:buNone/>
+              <a:defRPr sz="1800" kern="1200">
+                <a:solidFill>
+                  <a:schemeClr val="tx1"/>
+                </a:solidFill>
+                <a:latin typeface="+mn-lt"/>
+                <a:ea typeface="+mn-ea"/>
+                <a:cs typeface="+mn-cs"/>
+              </a:defRPr>
+            </a:lvl1pPr>
+            <a:lvl2pPr marL="342900" indent="0" algn="ctr" defTabSz="685800" rtl="0" eaLnBrk="1" latinLnBrk="0" hangingPunct="1">
+              <a:lnSpc>
+                <a:spcPct val="90000"/>
+              </a:lnSpc>
+              <a:spcBef>
+                <a:spcPts val="375"/>
+              </a:spcBef>
+              <a:buFont typeface="Arial" panose="020B0604020202020204" pitchFamily="34" charset="0"/>
+              <a:buNone/>
+              <a:defRPr sz="1500" kern="1200">
+                <a:solidFill>
+                  <a:schemeClr val="tx1"/>
+                </a:solidFill>
+                <a:latin typeface="+mn-lt"/>
+                <a:ea typeface="+mn-ea"/>
+                <a:cs typeface="+mn-cs"/>
+              </a:defRPr>
+            </a:lvl2pPr>
+            <a:lvl3pPr marL="685800" indent="0" algn="ctr" defTabSz="685800" rtl="0" eaLnBrk="1" latinLnBrk="0" hangingPunct="1">
+              <a:lnSpc>
+                <a:spcPct val="90000"/>
+              </a:lnSpc>
+              <a:spcBef>
+                <a:spcPts val="375"/>
+              </a:spcBef>
+              <a:buFont typeface="Arial" panose="020B0604020202020204" pitchFamily="34" charset="0"/>
+              <a:buNone/>
+              <a:defRPr sz="1350" kern="1200">
+                <a:solidFill>
+                  <a:schemeClr val="tx1"/>
+                </a:solidFill>
+                <a:latin typeface="+mn-lt"/>
+                <a:ea typeface="+mn-ea"/>
+                <a:cs typeface="+mn-cs"/>
+              </a:defRPr>
+            </a:lvl3pPr>
+            <a:lvl4pPr marL="1028700" indent="0" algn="ctr" defTabSz="685800" rtl="0" eaLnBrk="1" latinLnBrk="0" hangingPunct="1">
+              <a:lnSpc>
+                <a:spcPct val="90000"/>
+              </a:lnSpc>
+              <a:spcBef>
+                <a:spcPts val="375"/>
+              </a:spcBef>
+              <a:buFont typeface="Arial" panose="020B0604020202020204" pitchFamily="34" charset="0"/>
+              <a:buNone/>
+              <a:defRPr sz="1200" kern="1200">
+                <a:solidFill>
+                  <a:schemeClr val="tx1"/>
+                </a:solidFill>
+                <a:latin typeface="+mn-lt"/>
+                <a:ea typeface="+mn-ea"/>
+                <a:cs typeface="+mn-cs"/>
+              </a:defRPr>
+            </a:lvl4pPr>
+            <a:lvl5pPr marL="1371600" indent="0" algn="ctr" defTabSz="685800" rtl="0" eaLnBrk="1" latinLnBrk="0" hangingPunct="1">
+              <a:lnSpc>
+                <a:spcPct val="90000"/>
+              </a:lnSpc>
+              <a:spcBef>
+                <a:spcPts val="375"/>
+              </a:spcBef>
+              <a:buFont typeface="Arial" panose="020B0604020202020204" pitchFamily="34" charset="0"/>
+              <a:buNone/>
+              <a:defRPr sz="1200" kern="1200">
+                <a:solidFill>
+                  <a:schemeClr val="tx1"/>
+                </a:solidFill>
+                <a:latin typeface="+mn-lt"/>
+                <a:ea typeface="+mn-ea"/>
+                <a:cs typeface="+mn-cs"/>
+              </a:defRPr>
+            </a:lvl5pPr>
+            <a:lvl6pPr marL="1714500" indent="0" algn="ctr" defTabSz="685800" rtl="0" eaLnBrk="1" latinLnBrk="0" hangingPunct="1">
+              <a:lnSpc>
+                <a:spcPct val="90000"/>
+              </a:lnSpc>
+              <a:spcBef>
+                <a:spcPts val="375"/>
+              </a:spcBef>
+              <a:buFont typeface="Arial" panose="020B0604020202020204" pitchFamily="34" charset="0"/>
+              <a:buNone/>
+              <a:defRPr sz="1200" kern="1200">
+                <a:solidFill>
+                  <a:schemeClr val="tx1"/>
+                </a:solidFill>
+                <a:latin typeface="+mn-lt"/>
+                <a:ea typeface="+mn-ea"/>
+                <a:cs typeface="+mn-cs"/>
+              </a:defRPr>
+            </a:lvl6pPr>
+            <a:lvl7pPr marL="2057400" indent="0" algn="ctr" defTabSz="685800" rtl="0" eaLnBrk="1" latinLnBrk="0" hangingPunct="1">
+              <a:lnSpc>
+                <a:spcPct val="90000"/>
+              </a:lnSpc>
+              <a:spcBef>
+                <a:spcPts val="375"/>
+              </a:spcBef>
+              <a:buFont typeface="Arial" panose="020B0604020202020204" pitchFamily="34" charset="0"/>
+              <a:buNone/>
+              <a:defRPr sz="1200" kern="1200">
+                <a:solidFill>
+                  <a:schemeClr val="tx1"/>
+                </a:solidFill>
+                <a:latin typeface="+mn-lt"/>
+                <a:ea typeface="+mn-ea"/>
+                <a:cs typeface="+mn-cs"/>
+              </a:defRPr>
+            </a:lvl7pPr>
+            <a:lvl8pPr marL="2400300" indent="0" algn="ctr" defTabSz="685800" rtl="0" eaLnBrk="1" latinLnBrk="0" hangingPunct="1">
+              <a:lnSpc>
+                <a:spcPct val="90000"/>
+              </a:lnSpc>
+              <a:spcBef>
+                <a:spcPts val="375"/>
+              </a:spcBef>
+              <a:buFont typeface="Arial" panose="020B0604020202020204" pitchFamily="34" charset="0"/>
+              <a:buNone/>
+              <a:defRPr sz="1200" kern="1200">
+                <a:solidFill>
+                  <a:schemeClr val="tx1"/>
+                </a:solidFill>
+                <a:latin typeface="+mn-lt"/>
+                <a:ea typeface="+mn-ea"/>
+                <a:cs typeface="+mn-cs"/>
+              </a:defRPr>
+            </a:lvl8pPr>
+            <a:lvl9pPr marL="2743200" indent="0" algn="ctr" defTabSz="685800" rtl="0" eaLnBrk="1" latinLnBrk="0" hangingPunct="1">
+              <a:lnSpc>
+                <a:spcPct val="90000"/>
+              </a:lnSpc>
+              <a:spcBef>
+                <a:spcPts val="375"/>
+              </a:spcBef>
+              <a:buFont typeface="Arial" panose="020B0604020202020204" pitchFamily="34" charset="0"/>
+              <a:buNone/>
+              <a:defRPr sz="1200" kern="1200">
+                <a:solidFill>
+                  <a:schemeClr val="tx1"/>
+                </a:solidFill>
+                <a:latin typeface="+mn-lt"/>
+                <a:ea typeface="+mn-ea"/>
+                <a:cs typeface="+mn-cs"/>
+              </a:defRPr>
+            </a:lvl9pPr>
+          </a:lstStyle>
+          <a:p>
+            <a:pPr marL="296863" indent="-457200" algn="l">
+              <a:buFont typeface="Arial" panose="020B0604020202020204" pitchFamily="34" charset="0"/>
+              <a:buChar char="•"/>
+            </a:pPr>
+            <a:r>
+              <a:rPr lang="en-US" sz="2800" dirty="0">
+                <a:solidFill>
+                  <a:schemeClr val="tx1">
+                    <a:lumMod val="50000"/>
+                    <a:lumOff val="50000"/>
+                  </a:schemeClr>
+                </a:solidFill>
+                <a:latin typeface="Segoe UI Light" panose="020B0502040204020203" pitchFamily="34" charset="0"/>
+                <a:cs typeface="Segoe UI Light" panose="020B0502040204020203" pitchFamily="34" charset="0"/>
+              </a:rPr>
+              <a:t>Deadlock analysis</a:t>
+            </a:r>
+            <a:endParaRPr lang="en-US" sz="2800" dirty="0">
+              <a:latin typeface="Segoe UI Light" panose="020B0502040204020203" pitchFamily="34" charset="0"/>
+              <a:cs typeface="Segoe UI Light" panose="020B0502040204020203" pitchFamily="34" charset="0"/>
+            </a:endParaRPr>
+          </a:p>
+          <a:p>
+            <a:pPr marL="296863" indent="-457200" algn="l">
+              <a:buFont typeface="Arial" panose="020B0604020202020204" pitchFamily="34" charset="0"/>
+              <a:buChar char="•"/>
+            </a:pPr>
+            <a:endParaRPr lang="en-US" sz="2800" dirty="0">
+              <a:solidFill>
+                <a:schemeClr val="tx1">
+                  <a:lumMod val="50000"/>
+                  <a:lumOff val="50000"/>
+                </a:schemeClr>
+              </a:solidFill>
+              <a:latin typeface="Segoe UI Light" panose="020B0502040204020203" pitchFamily="34" charset="0"/>
+              <a:cs typeface="Segoe UI Light" panose="020B0502040204020203" pitchFamily="34" charset="0"/>
+            </a:endParaRPr>
+          </a:p>
+          <a:p>
+            <a:pPr marL="296863" indent="-457200" algn="l">
+              <a:buFont typeface="Arial" panose="020B0604020202020204" pitchFamily="34" charset="0"/>
+              <a:buChar char="•"/>
+            </a:pPr>
+            <a:r>
+              <a:rPr lang="en-US" sz="2800" dirty="0" err="1">
+                <a:solidFill>
+                  <a:schemeClr val="tx1">
+                    <a:lumMod val="50000"/>
+                    <a:lumOff val="50000"/>
+                  </a:schemeClr>
+                </a:solidFill>
+                <a:latin typeface="Segoe UI Light" panose="020B0502040204020203" pitchFamily="34" charset="0"/>
+                <a:cs typeface="Segoe UI Light" panose="020B0502040204020203" pitchFamily="34" charset="0"/>
+              </a:rPr>
+              <a:t>Decompiler</a:t>
+            </a:r>
+            <a:endParaRPr lang="en-US" sz="2800" dirty="0">
+              <a:solidFill>
+                <a:schemeClr val="tx1">
+                  <a:lumMod val="50000"/>
+                  <a:lumOff val="50000"/>
+                </a:schemeClr>
+              </a:solidFill>
+              <a:latin typeface="Segoe UI Light" panose="020B0502040204020203" pitchFamily="34" charset="0"/>
+              <a:cs typeface="Segoe UI Light" panose="020B0502040204020203" pitchFamily="34" charset="0"/>
+            </a:endParaRPr>
+          </a:p>
+          <a:p>
+            <a:pPr marL="296863" indent="-457200" algn="l">
+              <a:buFont typeface="Arial" panose="020B0604020202020204" pitchFamily="34" charset="0"/>
+              <a:buChar char="•"/>
+            </a:pPr>
+            <a:endParaRPr lang="en-US" sz="2800" dirty="0">
+              <a:solidFill>
+                <a:schemeClr val="tx1">
+                  <a:lumMod val="50000"/>
+                  <a:lumOff val="50000"/>
+                </a:schemeClr>
+              </a:solidFill>
+              <a:latin typeface="Segoe UI Light" panose="020B0502040204020203" pitchFamily="34" charset="0"/>
+              <a:cs typeface="Segoe UI Light" panose="020B0502040204020203" pitchFamily="34" charset="0"/>
+            </a:endParaRPr>
+          </a:p>
+          <a:p>
+            <a:pPr marL="296863" indent="-457200" algn="l">
+              <a:buFont typeface="Arial" panose="020B0604020202020204" pitchFamily="34" charset="0"/>
+              <a:buChar char="•"/>
+            </a:pPr>
+            <a:r>
+              <a:rPr lang="en-US" sz="2800" dirty="0">
+                <a:latin typeface="Segoe UI Light" panose="020B0502040204020203" pitchFamily="34" charset="0"/>
+                <a:cs typeface="Segoe UI Light" panose="020B0502040204020203" pitchFamily="34" charset="0"/>
+              </a:rPr>
+              <a:t>Simulator</a:t>
+            </a:r>
+            <a:endParaRPr lang="en-US" sz="2800" dirty="0">
+              <a:solidFill>
+                <a:schemeClr val="tx1">
+                  <a:lumMod val="50000"/>
+                  <a:lumOff val="50000"/>
+                </a:schemeClr>
+              </a:solidFill>
+              <a:latin typeface="Segoe UI Light" panose="020B0502040204020203" pitchFamily="34" charset="0"/>
+              <a:cs typeface="Segoe UI Light" panose="020B0502040204020203" pitchFamily="34" charset="0"/>
+            </a:endParaRPr>
+          </a:p>
+        </p:txBody>
+      </p:sp>
+      <p:pic>
+        <p:nvPicPr>
+          <p:cNvPr id="3" name="Grafik 2">
+            <a:extLst>
+              <a:ext uri="{FF2B5EF4-FFF2-40B4-BE49-F238E27FC236}">
+                <a16:creationId xmlns:a16="http://schemas.microsoft.com/office/drawing/2014/main" id="{FCF63D61-2505-7FA1-5A03-6053BB15DCC7}"/>
+              </a:ext>
+            </a:extLst>
+          </p:cNvPr>
+          <p:cNvPicPr>
+            <a:picLocks noChangeAspect="1"/>
+          </p:cNvPicPr>
+          <p:nvPr/>
+        </p:nvPicPr>
+        <p:blipFill>
+          <a:blip r:embed="rId3"/>
+          <a:stretch>
+            <a:fillRect/>
+          </a:stretch>
+        </p:blipFill>
+        <p:spPr>
+          <a:xfrm>
+            <a:off x="5680363" y="2381596"/>
+            <a:ext cx="5894903" cy="3429000"/>
+          </a:xfrm>
+          <a:prstGeom prst="rect">
+            <a:avLst/>
+          </a:prstGeom>
+        </p:spPr>
+      </p:pic>
+      <p:sp>
+        <p:nvSpPr>
+          <p:cNvPr id="5" name="Textplatzhalter 4">
+            <a:extLst>
+              <a:ext uri="{FF2B5EF4-FFF2-40B4-BE49-F238E27FC236}">
+                <a16:creationId xmlns:a16="http://schemas.microsoft.com/office/drawing/2014/main" id="{99833E31-EF9B-1A21-E289-7F3623AA827E}"/>
+              </a:ext>
+            </a:extLst>
+          </p:cNvPr>
+          <p:cNvSpPr txBox="1">
+            <a:spLocks/>
+          </p:cNvSpPr>
+          <p:nvPr/>
+        </p:nvSpPr>
+        <p:spPr>
+          <a:xfrm>
+            <a:off x="-1" y="6378575"/>
+            <a:ext cx="838201" cy="498475"/>
+          </a:xfrm>
+          <a:prstGeom prst="rect">
+            <a:avLst/>
+          </a:prstGeom>
+        </p:spPr>
+        <p:txBody>
+          <a:bodyPr vert="horz" lIns="91440" tIns="45720" rIns="91440" bIns="45720" rtlCol="0">
+            <a:normAutofit/>
+          </a:bodyPr>
+          <a:lstStyle>
+            <a:lvl1pPr marL="0" indent="0" algn="ctr" defTabSz="685800" rtl="0" eaLnBrk="1" latinLnBrk="0" hangingPunct="1">
+              <a:lnSpc>
+                <a:spcPct val="90000"/>
+              </a:lnSpc>
+              <a:spcBef>
+                <a:spcPts val="750"/>
+              </a:spcBef>
+              <a:buFont typeface="Arial" panose="020B0604020202020204" pitchFamily="34" charset="0"/>
+              <a:buNone/>
+              <a:defRPr sz="1800" kern="1200">
+                <a:solidFill>
+                  <a:schemeClr val="tx1"/>
+                </a:solidFill>
+                <a:latin typeface="+mn-lt"/>
+                <a:ea typeface="+mn-ea"/>
+                <a:cs typeface="+mn-cs"/>
+              </a:defRPr>
+            </a:lvl1pPr>
+            <a:lvl2pPr marL="342900" indent="0" algn="ctr" defTabSz="685800" rtl="0" eaLnBrk="1" latinLnBrk="0" hangingPunct="1">
+              <a:lnSpc>
+                <a:spcPct val="90000"/>
+              </a:lnSpc>
+              <a:spcBef>
+                <a:spcPts val="375"/>
+              </a:spcBef>
+              <a:buFont typeface="Arial" panose="020B0604020202020204" pitchFamily="34" charset="0"/>
+              <a:buNone/>
+              <a:defRPr sz="1500" kern="1200">
+                <a:solidFill>
+                  <a:schemeClr val="tx1"/>
+                </a:solidFill>
+                <a:latin typeface="+mn-lt"/>
+                <a:ea typeface="+mn-ea"/>
+                <a:cs typeface="+mn-cs"/>
+              </a:defRPr>
+            </a:lvl2pPr>
+            <a:lvl3pPr marL="685800" indent="0" algn="ctr" defTabSz="685800" rtl="0" eaLnBrk="1" latinLnBrk="0" hangingPunct="1">
+              <a:lnSpc>
+                <a:spcPct val="90000"/>
+              </a:lnSpc>
+              <a:spcBef>
+                <a:spcPts val="375"/>
+              </a:spcBef>
+              <a:buFont typeface="Arial" panose="020B0604020202020204" pitchFamily="34" charset="0"/>
+              <a:buNone/>
+              <a:defRPr sz="1350" kern="1200">
+                <a:solidFill>
+                  <a:schemeClr val="tx1"/>
+                </a:solidFill>
+                <a:latin typeface="+mn-lt"/>
+                <a:ea typeface="+mn-ea"/>
+                <a:cs typeface="+mn-cs"/>
+              </a:defRPr>
+            </a:lvl3pPr>
+            <a:lvl4pPr marL="1028700" indent="0" algn="ctr" defTabSz="685800" rtl="0" eaLnBrk="1" latinLnBrk="0" hangingPunct="1">
+              <a:lnSpc>
+                <a:spcPct val="90000"/>
+              </a:lnSpc>
+              <a:spcBef>
+                <a:spcPts val="375"/>
+              </a:spcBef>
+              <a:buFont typeface="Arial" panose="020B0604020202020204" pitchFamily="34" charset="0"/>
+              <a:buNone/>
+              <a:defRPr sz="1200" kern="1200">
+                <a:solidFill>
+                  <a:schemeClr val="tx1"/>
+                </a:solidFill>
+                <a:latin typeface="+mn-lt"/>
+                <a:ea typeface="+mn-ea"/>
+                <a:cs typeface="+mn-cs"/>
+              </a:defRPr>
+            </a:lvl4pPr>
+            <a:lvl5pPr marL="1371600" indent="0" algn="ctr" defTabSz="685800" rtl="0" eaLnBrk="1" latinLnBrk="0" hangingPunct="1">
+              <a:lnSpc>
+                <a:spcPct val="90000"/>
+              </a:lnSpc>
+              <a:spcBef>
+                <a:spcPts val="375"/>
+              </a:spcBef>
+              <a:buFont typeface="Arial" panose="020B0604020202020204" pitchFamily="34" charset="0"/>
+              <a:buNone/>
+              <a:defRPr sz="1200" kern="1200">
+                <a:solidFill>
+                  <a:schemeClr val="tx1"/>
+                </a:solidFill>
+                <a:latin typeface="+mn-lt"/>
+                <a:ea typeface="+mn-ea"/>
+                <a:cs typeface="+mn-cs"/>
+              </a:defRPr>
+            </a:lvl5pPr>
+            <a:lvl6pPr marL="1714500" indent="0" algn="ctr" defTabSz="685800" rtl="0" eaLnBrk="1" latinLnBrk="0" hangingPunct="1">
+              <a:lnSpc>
+                <a:spcPct val="90000"/>
+              </a:lnSpc>
+              <a:spcBef>
+                <a:spcPts val="375"/>
+              </a:spcBef>
+              <a:buFont typeface="Arial" panose="020B0604020202020204" pitchFamily="34" charset="0"/>
+              <a:buNone/>
+              <a:defRPr sz="1200" kern="1200">
+                <a:solidFill>
+                  <a:schemeClr val="tx1"/>
+                </a:solidFill>
+                <a:latin typeface="+mn-lt"/>
+                <a:ea typeface="+mn-ea"/>
+                <a:cs typeface="+mn-cs"/>
+              </a:defRPr>
+            </a:lvl6pPr>
+            <a:lvl7pPr marL="2057400" indent="0" algn="ctr" defTabSz="685800" rtl="0" eaLnBrk="1" latinLnBrk="0" hangingPunct="1">
+              <a:lnSpc>
+                <a:spcPct val="90000"/>
+              </a:lnSpc>
+              <a:spcBef>
+                <a:spcPts val="375"/>
+              </a:spcBef>
+              <a:buFont typeface="Arial" panose="020B0604020202020204" pitchFamily="34" charset="0"/>
+              <a:buNone/>
+              <a:defRPr sz="1200" kern="1200">
+                <a:solidFill>
+                  <a:schemeClr val="tx1"/>
+                </a:solidFill>
+                <a:latin typeface="+mn-lt"/>
+                <a:ea typeface="+mn-ea"/>
+                <a:cs typeface="+mn-cs"/>
+              </a:defRPr>
+            </a:lvl7pPr>
+            <a:lvl8pPr marL="2400300" indent="0" algn="ctr" defTabSz="685800" rtl="0" eaLnBrk="1" latinLnBrk="0" hangingPunct="1">
+              <a:lnSpc>
+                <a:spcPct val="90000"/>
+              </a:lnSpc>
+              <a:spcBef>
+                <a:spcPts val="375"/>
+              </a:spcBef>
+              <a:buFont typeface="Arial" panose="020B0604020202020204" pitchFamily="34" charset="0"/>
+              <a:buNone/>
+              <a:defRPr sz="1200" kern="1200">
+                <a:solidFill>
+                  <a:schemeClr val="tx1"/>
+                </a:solidFill>
+                <a:latin typeface="+mn-lt"/>
+                <a:ea typeface="+mn-ea"/>
+                <a:cs typeface="+mn-cs"/>
+              </a:defRPr>
+            </a:lvl8pPr>
+            <a:lvl9pPr marL="2743200" indent="0" algn="ctr" defTabSz="685800" rtl="0" eaLnBrk="1" latinLnBrk="0" hangingPunct="1">
+              <a:lnSpc>
+                <a:spcPct val="90000"/>
+              </a:lnSpc>
+              <a:spcBef>
+                <a:spcPts val="375"/>
+              </a:spcBef>
+              <a:buFont typeface="Arial" panose="020B0604020202020204" pitchFamily="34" charset="0"/>
+              <a:buNone/>
+              <a:defRPr sz="1200" kern="1200">
+                <a:solidFill>
+                  <a:schemeClr val="tx1"/>
+                </a:solidFill>
+                <a:latin typeface="+mn-lt"/>
+                <a:ea typeface="+mn-ea"/>
+                <a:cs typeface="+mn-cs"/>
+              </a:defRPr>
+            </a:lvl9pPr>
+          </a:lstStyle>
+          <a:p>
+            <a:pPr algn="r"/>
+            <a:r>
+              <a:rPr lang="de-DE" dirty="0">
+                <a:latin typeface="Segoe UI Light" panose="020B0502040204020203" pitchFamily="34" charset="0"/>
+                <a:cs typeface="Segoe UI Light" panose="020B0502040204020203" pitchFamily="34" charset="0"/>
+              </a:rPr>
+              <a:t>6</a:t>
+            </a:r>
+            <a:endParaRPr lang="en-US" dirty="0">
+              <a:latin typeface="Segoe UI Light" panose="020B0502040204020203" pitchFamily="34" charset="0"/>
+              <a:cs typeface="Segoe UI Light" panose="020B0502040204020203" pitchFamily="34" charset="0"/>
+            </a:endParaRPr>
+          </a:p>
+        </p:txBody>
+      </p:sp>
+    </p:spTree>
+    <p:extLst>
+      <p:ext uri="{BB962C8B-B14F-4D97-AF65-F5344CB8AC3E}">
+        <p14:creationId xmlns:p14="http://schemas.microsoft.com/office/powerpoint/2010/main" val="3608824672"/>
+      </p:ext>
+    </p:extLst>
+  </p:cSld>
+  <p:clrMapOvr>
+    <a:masterClrMapping/>
+  </p:clrMapOvr>
+</p:sld>
+</file>
+
+<file path=ppt/slides/slide11.xml><?xml version="1.0" encoding="utf-8"?>
+<p:sld xmlns:a="http://schemas.openxmlformats.org/drawingml/2006/main" xmlns:r="http://schemas.openxmlformats.org/officeDocument/2006/relationships" xmlns:p="http://schemas.openxmlformats.org/presentationml/2006/main">
+  <p:cSld>
+    <p:spTree>
+      <p:nvGrpSpPr>
+        <p:cNvPr id="1" name=""/>
+        <p:cNvGrpSpPr/>
+        <p:nvPr/>
+      </p:nvGrpSpPr>
+      <p:grpSpPr>
+        <a:xfrm>
+          <a:off x="0" y="0"/>
+          <a:ext cx="0" cy="0"/>
+          <a:chOff x="0" y="0"/>
+          <a:chExt cx="0" cy="0"/>
+        </a:xfrm>
+      </p:grpSpPr>
       <p:grpSp>
         <p:nvGrpSpPr>
           <p:cNvPr id="2" name="Gruppieren 1">
@@ -25731,7 +26468,7 @@
 </p:sld>
 </file>
 
-<file path=ppt/slides/slide11.xml><?xml version="1.0" encoding="utf-8"?>
+<file path=ppt/slides/slide12.xml><?xml version="1.0" encoding="utf-8"?>
 <p:sld xmlns:a="http://schemas.openxmlformats.org/drawingml/2006/main" xmlns:r="http://schemas.openxmlformats.org/officeDocument/2006/relationships" xmlns:p="http://schemas.openxmlformats.org/presentationml/2006/main">
   <p:cSld>
     <p:spTree>
@@ -27762,6 +28499,1329 @@
 </file>
 
 <file path=ppt/slides/slide2.xml><?xml version="1.0" encoding="utf-8"?>
+<p:sld xmlns:a="http://schemas.openxmlformats.org/drawingml/2006/main" xmlns:r="http://schemas.openxmlformats.org/officeDocument/2006/relationships" xmlns:p="http://schemas.openxmlformats.org/presentationml/2006/main">
+  <p:cSld>
+    <p:spTree>
+      <p:nvGrpSpPr>
+        <p:cNvPr id="1" name=""/>
+        <p:cNvGrpSpPr/>
+        <p:nvPr/>
+      </p:nvGrpSpPr>
+      <p:grpSpPr>
+        <a:xfrm>
+          <a:off x="0" y="0"/>
+          <a:ext cx="0" cy="0"/>
+          <a:chOff x="0" y="0"/>
+          <a:chExt cx="0" cy="0"/>
+        </a:xfrm>
+      </p:grpSpPr>
+      <p:sp>
+        <p:nvSpPr>
+          <p:cNvPr id="2" name="Gleichschenkliges Dreieck 1">
+            <a:extLst>
+              <a:ext uri="{FF2B5EF4-FFF2-40B4-BE49-F238E27FC236}">
+                <a16:creationId xmlns:a16="http://schemas.microsoft.com/office/drawing/2014/main" id="{5409F086-7536-A849-142D-5D92C453BA03}"/>
+              </a:ext>
+            </a:extLst>
+          </p:cNvPr>
+          <p:cNvSpPr/>
+          <p:nvPr/>
+        </p:nvSpPr>
+        <p:spPr>
+          <a:xfrm>
+            <a:off x="2399249" y="626161"/>
+            <a:ext cx="8915400" cy="5559068"/>
+          </a:xfrm>
+          <a:prstGeom prst="triangle">
+            <a:avLst/>
+          </a:prstGeom>
+          <a:solidFill>
+            <a:schemeClr val="accent1">
+              <a:lumMod val="60000"/>
+              <a:lumOff val="40000"/>
+              <a:alpha val="61000"/>
+            </a:schemeClr>
+          </a:solidFill>
+          <a:ln>
+            <a:solidFill>
+              <a:schemeClr val="accent1">
+                <a:lumMod val="50000"/>
+              </a:schemeClr>
+            </a:solidFill>
+          </a:ln>
+        </p:spPr>
+        <p:style>
+          <a:lnRef idx="2">
+            <a:schemeClr val="accent1">
+              <a:shade val="50000"/>
+            </a:schemeClr>
+          </a:lnRef>
+          <a:fillRef idx="1">
+            <a:schemeClr val="accent1"/>
+          </a:fillRef>
+          <a:effectRef idx="0">
+            <a:schemeClr val="accent1"/>
+          </a:effectRef>
+          <a:fontRef idx="minor">
+            <a:schemeClr val="lt1"/>
+          </a:fontRef>
+        </p:style>
+        <p:txBody>
+          <a:bodyPr rtlCol="0" anchor="ctr"/>
+          <a:lstStyle/>
+          <a:p>
+            <a:pPr algn="ctr"/>
+            <a:endParaRPr lang="en-US"/>
+          </a:p>
+        </p:txBody>
+      </p:sp>
+      <p:grpSp>
+        <p:nvGrpSpPr>
+          <p:cNvPr id="4" name="Gruppieren 3">
+            <a:extLst>
+              <a:ext uri="{FF2B5EF4-FFF2-40B4-BE49-F238E27FC236}">
+                <a16:creationId xmlns:a16="http://schemas.microsoft.com/office/drawing/2014/main" id="{0867365E-6E50-5A7E-78E1-19F0B1AEB9CA}"/>
+              </a:ext>
+            </a:extLst>
+          </p:cNvPr>
+          <p:cNvGrpSpPr/>
+          <p:nvPr/>
+        </p:nvGrpSpPr>
+        <p:grpSpPr>
+          <a:xfrm>
+            <a:off x="5663053" y="1223235"/>
+            <a:ext cx="1375560" cy="1789055"/>
+            <a:chOff x="744936" y="1248860"/>
+            <a:chExt cx="1501653" cy="1839851"/>
+          </a:xfrm>
+        </p:grpSpPr>
+        <p:pic>
+          <p:nvPicPr>
+            <p:cNvPr id="6" name="Grafik 5" descr="Tafel mit einfarbiger Füllung">
+              <a:extLst>
+                <a:ext uri="{FF2B5EF4-FFF2-40B4-BE49-F238E27FC236}">
+                  <a16:creationId xmlns:a16="http://schemas.microsoft.com/office/drawing/2014/main" id="{6E9E16EF-6E54-C240-6449-C4E0DFD4FC47}"/>
+                </a:ext>
+              </a:extLst>
+            </p:cNvPr>
+            <p:cNvPicPr>
+              <a:picLocks noChangeAspect="1"/>
+            </p:cNvPicPr>
+            <p:nvPr/>
+          </p:nvPicPr>
+          <p:blipFill>
+            <a:blip r:embed="rId3">
+              <a:extLst>
+                <a:ext uri="{28A0092B-C50C-407E-A947-70E740481C1C}">
+                  <a14:useLocalDpi xmlns:a14="http://schemas.microsoft.com/office/drawing/2010/main" val="0"/>
+                </a:ext>
+                <a:ext uri="{96DAC541-7B7A-43D3-8B79-37D633B846F1}">
+                  <asvg:svgBlip xmlns:asvg="http://schemas.microsoft.com/office/drawing/2016/SVG/main" r:embed="rId4"/>
+                </a:ext>
+              </a:extLst>
+            </a:blip>
+            <a:stretch>
+              <a:fillRect/>
+            </a:stretch>
+          </p:blipFill>
+          <p:spPr>
+            <a:xfrm>
+              <a:off x="1332189" y="1248860"/>
+              <a:ext cx="914400" cy="914400"/>
+            </a:xfrm>
+            <a:prstGeom prst="rect">
+              <a:avLst/>
+            </a:prstGeom>
+          </p:spPr>
+        </p:pic>
+        <p:pic>
+          <p:nvPicPr>
+            <p:cNvPr id="31" name="Grafik 30" descr="Präsentation mit Balkendiagramm mit einfarbiger Füllung">
+              <a:extLst>
+                <a:ext uri="{FF2B5EF4-FFF2-40B4-BE49-F238E27FC236}">
+                  <a16:creationId xmlns:a16="http://schemas.microsoft.com/office/drawing/2014/main" id="{BAB22F27-A8DB-2967-ED4A-B6E354922663}"/>
+                </a:ext>
+              </a:extLst>
+            </p:cNvPr>
+            <p:cNvPicPr>
+              <a:picLocks noChangeAspect="1"/>
+            </p:cNvPicPr>
+            <p:nvPr/>
+          </p:nvPicPr>
+          <p:blipFill>
+            <a:blip r:embed="rId5">
+              <a:extLst>
+                <a:ext uri="{28A0092B-C50C-407E-A947-70E740481C1C}">
+                  <a14:useLocalDpi xmlns:a14="http://schemas.microsoft.com/office/drawing/2010/main" val="0"/>
+                </a:ext>
+                <a:ext uri="{96DAC541-7B7A-43D3-8B79-37D633B846F1}">
+                  <asvg:svgBlip xmlns:asvg="http://schemas.microsoft.com/office/drawing/2016/SVG/main" r:embed="rId6"/>
+                </a:ext>
+              </a:extLst>
+            </a:blip>
+            <a:stretch>
+              <a:fillRect/>
+            </a:stretch>
+          </p:blipFill>
+          <p:spPr>
+            <a:xfrm>
+              <a:off x="744936" y="2174311"/>
+              <a:ext cx="914400" cy="914400"/>
+            </a:xfrm>
+            <a:prstGeom prst="rect">
+              <a:avLst/>
+            </a:prstGeom>
+          </p:spPr>
+        </p:pic>
+      </p:grpSp>
+      <p:pic>
+        <p:nvPicPr>
+          <p:cNvPr id="32" name="Grafik 31" descr="Silo mit einfarbiger Füllung">
+            <a:extLst>
+              <a:ext uri="{FF2B5EF4-FFF2-40B4-BE49-F238E27FC236}">
+                <a16:creationId xmlns:a16="http://schemas.microsoft.com/office/drawing/2014/main" id="{30B08C42-1607-464E-25ED-C7B83E3716BE}"/>
+              </a:ext>
+            </a:extLst>
+          </p:cNvPr>
+          <p:cNvPicPr>
+            <a:picLocks noChangeAspect="1"/>
+          </p:cNvPicPr>
+          <p:nvPr/>
+        </p:nvPicPr>
+        <p:blipFill>
+          <a:blip r:embed="rId7">
+            <a:extLst>
+              <a:ext uri="{28A0092B-C50C-407E-A947-70E740481C1C}">
+                <a14:useLocalDpi xmlns:a14="http://schemas.microsoft.com/office/drawing/2010/main" val="0"/>
+              </a:ext>
+              <a:ext uri="{96DAC541-7B7A-43D3-8B79-37D633B846F1}">
+                <asvg:svgBlip xmlns:asvg="http://schemas.microsoft.com/office/drawing/2016/SVG/main" r:embed="rId8"/>
+              </a:ext>
+            </a:extLst>
+          </a:blip>
+          <a:stretch>
+            <a:fillRect/>
+          </a:stretch>
+        </p:blipFill>
+        <p:spPr>
+          <a:xfrm>
+            <a:off x="6803975" y="1385908"/>
+            <a:ext cx="1009684" cy="1015724"/>
+          </a:xfrm>
+          <a:prstGeom prst="rect">
+            <a:avLst/>
+          </a:prstGeom>
+        </p:spPr>
+      </p:pic>
+      <p:pic>
+        <p:nvPicPr>
+          <p:cNvPr id="33" name="Grafik 32" descr="Silo mit einfarbiger Füllung">
+            <a:extLst>
+              <a:ext uri="{FF2B5EF4-FFF2-40B4-BE49-F238E27FC236}">
+                <a16:creationId xmlns:a16="http://schemas.microsoft.com/office/drawing/2014/main" id="{C133D681-AF66-1963-A764-E05DE6CFA64B}"/>
+              </a:ext>
+            </a:extLst>
+          </p:cNvPr>
+          <p:cNvPicPr>
+            <a:picLocks noChangeAspect="1"/>
+          </p:cNvPicPr>
+          <p:nvPr/>
+        </p:nvPicPr>
+        <p:blipFill>
+          <a:blip r:embed="rId7">
+            <a:extLst>
+              <a:ext uri="{28A0092B-C50C-407E-A947-70E740481C1C}">
+                <a14:useLocalDpi xmlns:a14="http://schemas.microsoft.com/office/drawing/2010/main" val="0"/>
+              </a:ext>
+              <a:ext uri="{96DAC541-7B7A-43D3-8B79-37D633B846F1}">
+                <asvg:svgBlip xmlns:asvg="http://schemas.microsoft.com/office/drawing/2016/SVG/main" r:embed="rId8"/>
+              </a:ext>
+            </a:extLst>
+          </a:blip>
+          <a:stretch>
+            <a:fillRect/>
+          </a:stretch>
+        </p:blipFill>
+        <p:spPr>
+          <a:xfrm>
+            <a:off x="7054805" y="1974775"/>
+            <a:ext cx="1009684" cy="1015724"/>
+          </a:xfrm>
+          <a:prstGeom prst="rect">
+            <a:avLst/>
+          </a:prstGeom>
+        </p:spPr>
+      </p:pic>
+      <p:cxnSp>
+        <p:nvCxnSpPr>
+          <p:cNvPr id="34" name="Gerader Verbinder 33">
+            <a:extLst>
+              <a:ext uri="{FF2B5EF4-FFF2-40B4-BE49-F238E27FC236}">
+                <a16:creationId xmlns:a16="http://schemas.microsoft.com/office/drawing/2014/main" id="{1265A13F-1B73-1F98-D157-974D05FC1931}"/>
+              </a:ext>
+            </a:extLst>
+          </p:cNvPr>
+          <p:cNvCxnSpPr>
+            <a:cxnSpLocks/>
+          </p:cNvCxnSpPr>
+          <p:nvPr/>
+        </p:nvCxnSpPr>
+        <p:spPr>
+          <a:xfrm>
+            <a:off x="1222911" y="2990499"/>
+            <a:ext cx="7534275" cy="0"/>
+          </a:xfrm>
+          <a:prstGeom prst="line">
+            <a:avLst/>
+          </a:prstGeom>
+          <a:ln>
+            <a:solidFill>
+              <a:srgbClr val="0F3277"/>
+            </a:solidFill>
+          </a:ln>
+        </p:spPr>
+        <p:style>
+          <a:lnRef idx="1">
+            <a:schemeClr val="accent1"/>
+          </a:lnRef>
+          <a:fillRef idx="0">
+            <a:schemeClr val="accent1"/>
+          </a:fillRef>
+          <a:effectRef idx="0">
+            <a:schemeClr val="accent1"/>
+          </a:effectRef>
+          <a:fontRef idx="minor">
+            <a:schemeClr val="tx1"/>
+          </a:fontRef>
+        </p:style>
+      </p:cxnSp>
+      <p:cxnSp>
+        <p:nvCxnSpPr>
+          <p:cNvPr id="35" name="Gerader Verbinder 34">
+            <a:extLst>
+              <a:ext uri="{FF2B5EF4-FFF2-40B4-BE49-F238E27FC236}">
+                <a16:creationId xmlns:a16="http://schemas.microsoft.com/office/drawing/2014/main" id="{B83F8EE0-8182-7FDB-0554-89BEDF02CA84}"/>
+              </a:ext>
+            </a:extLst>
+          </p:cNvPr>
+          <p:cNvCxnSpPr>
+            <a:cxnSpLocks/>
+          </p:cNvCxnSpPr>
+          <p:nvPr/>
+        </p:nvCxnSpPr>
+        <p:spPr>
+          <a:xfrm>
+            <a:off x="1222911" y="4171599"/>
+            <a:ext cx="8501062" cy="0"/>
+          </a:xfrm>
+          <a:prstGeom prst="line">
+            <a:avLst/>
+          </a:prstGeom>
+          <a:ln>
+            <a:solidFill>
+              <a:srgbClr val="0F3277"/>
+            </a:solidFill>
+          </a:ln>
+        </p:spPr>
+        <p:style>
+          <a:lnRef idx="1">
+            <a:schemeClr val="accent1"/>
+          </a:lnRef>
+          <a:fillRef idx="0">
+            <a:schemeClr val="accent1"/>
+          </a:fillRef>
+          <a:effectRef idx="0">
+            <a:schemeClr val="accent1"/>
+          </a:effectRef>
+          <a:fontRef idx="minor">
+            <a:schemeClr val="tx1"/>
+          </a:fontRef>
+        </p:style>
+      </p:cxnSp>
+      <p:cxnSp>
+        <p:nvCxnSpPr>
+          <p:cNvPr id="36" name="Gerader Verbinder 35">
+            <a:extLst>
+              <a:ext uri="{FF2B5EF4-FFF2-40B4-BE49-F238E27FC236}">
+                <a16:creationId xmlns:a16="http://schemas.microsoft.com/office/drawing/2014/main" id="{4555F007-9409-9DB3-4B54-770466D431B9}"/>
+              </a:ext>
+            </a:extLst>
+          </p:cNvPr>
+          <p:cNvCxnSpPr>
+            <a:cxnSpLocks/>
+          </p:cNvCxnSpPr>
+          <p:nvPr/>
+        </p:nvCxnSpPr>
+        <p:spPr>
+          <a:xfrm>
+            <a:off x="1222911" y="5228874"/>
+            <a:ext cx="9348201" cy="0"/>
+          </a:xfrm>
+          <a:prstGeom prst="line">
+            <a:avLst/>
+          </a:prstGeom>
+          <a:ln>
+            <a:solidFill>
+              <a:srgbClr val="0F3277"/>
+            </a:solidFill>
+          </a:ln>
+        </p:spPr>
+        <p:style>
+          <a:lnRef idx="1">
+            <a:schemeClr val="accent1"/>
+          </a:lnRef>
+          <a:fillRef idx="0">
+            <a:schemeClr val="accent1"/>
+          </a:fillRef>
+          <a:effectRef idx="0">
+            <a:schemeClr val="accent1"/>
+          </a:effectRef>
+          <a:fontRef idx="minor">
+            <a:schemeClr val="tx1"/>
+          </a:fontRef>
+        </p:style>
+      </p:cxnSp>
+      <p:sp>
+        <p:nvSpPr>
+          <p:cNvPr id="38" name="Textfeld 37">
+            <a:extLst>
+              <a:ext uri="{FF2B5EF4-FFF2-40B4-BE49-F238E27FC236}">
+                <a16:creationId xmlns:a16="http://schemas.microsoft.com/office/drawing/2014/main" id="{A79FB9F0-F0B2-70EB-7AF6-9AC53F992FD9}"/>
+              </a:ext>
+            </a:extLst>
+          </p:cNvPr>
+          <p:cNvSpPr txBox="1"/>
+          <p:nvPr/>
+        </p:nvSpPr>
+        <p:spPr>
+          <a:xfrm>
+            <a:off x="1131960" y="4740282"/>
+            <a:ext cx="1795926" cy="400110"/>
+          </a:xfrm>
+          <a:prstGeom prst="rect">
+            <a:avLst/>
+          </a:prstGeom>
+          <a:noFill/>
+        </p:spPr>
+        <p:txBody>
+          <a:bodyPr wrap="square" rtlCol="0">
+            <a:spAutoFit/>
+          </a:bodyPr>
+          <a:lstStyle/>
+          <a:p>
+            <a:r>
+              <a:rPr lang="de-DE" sz="2000" dirty="0">
+                <a:latin typeface="Segoe UI Light" panose="020B0502040204020203" pitchFamily="34" charset="0"/>
+                <a:cs typeface="Segoe UI Light" panose="020B0502040204020203" pitchFamily="34" charset="0"/>
+              </a:rPr>
+              <a:t>Plant Control</a:t>
+            </a:r>
+            <a:endParaRPr lang="en-US" sz="2000" dirty="0">
+              <a:latin typeface="Segoe UI Light" panose="020B0502040204020203" pitchFamily="34" charset="0"/>
+              <a:cs typeface="Segoe UI Light" panose="020B0502040204020203" pitchFamily="34" charset="0"/>
+            </a:endParaRPr>
+          </a:p>
+        </p:txBody>
+      </p:sp>
+      <p:sp>
+        <p:nvSpPr>
+          <p:cNvPr id="39" name="Textfeld 38">
+            <a:extLst>
+              <a:ext uri="{FF2B5EF4-FFF2-40B4-BE49-F238E27FC236}">
+                <a16:creationId xmlns:a16="http://schemas.microsoft.com/office/drawing/2014/main" id="{D0F185A7-ACE3-9EE4-5EA1-A535131C00E2}"/>
+              </a:ext>
+            </a:extLst>
+          </p:cNvPr>
+          <p:cNvSpPr txBox="1"/>
+          <p:nvPr/>
+        </p:nvSpPr>
+        <p:spPr>
+          <a:xfrm>
+            <a:off x="1131960" y="5743646"/>
+            <a:ext cx="1795926" cy="400110"/>
+          </a:xfrm>
+          <a:prstGeom prst="rect">
+            <a:avLst/>
+          </a:prstGeom>
+          <a:noFill/>
+        </p:spPr>
+        <p:txBody>
+          <a:bodyPr wrap="square" rtlCol="0">
+            <a:spAutoFit/>
+          </a:bodyPr>
+          <a:lstStyle/>
+          <a:p>
+            <a:r>
+              <a:rPr lang="de-DE" sz="2000" dirty="0">
+                <a:latin typeface="Segoe UI Light" panose="020B0502040204020203" pitchFamily="34" charset="0"/>
+                <a:cs typeface="Segoe UI Light" panose="020B0502040204020203" pitchFamily="34" charset="0"/>
+              </a:rPr>
+              <a:t>Field</a:t>
+            </a:r>
+            <a:endParaRPr lang="en-US" sz="2000" dirty="0">
+              <a:latin typeface="Segoe UI Light" panose="020B0502040204020203" pitchFamily="34" charset="0"/>
+              <a:cs typeface="Segoe UI Light" panose="020B0502040204020203" pitchFamily="34" charset="0"/>
+            </a:endParaRPr>
+          </a:p>
+        </p:txBody>
+      </p:sp>
+      <p:pic>
+        <p:nvPicPr>
+          <p:cNvPr id="40" name="Grafik 39" descr="Server mit einfarbiger Füllung">
+            <a:extLst>
+              <a:ext uri="{FF2B5EF4-FFF2-40B4-BE49-F238E27FC236}">
+                <a16:creationId xmlns:a16="http://schemas.microsoft.com/office/drawing/2014/main" id="{305F55B2-2D10-FE6E-0673-EC4C8B3B6D41}"/>
+              </a:ext>
+            </a:extLst>
+          </p:cNvPr>
+          <p:cNvPicPr>
+            <a:picLocks noChangeAspect="1"/>
+          </p:cNvPicPr>
+          <p:nvPr/>
+        </p:nvPicPr>
+        <p:blipFill>
+          <a:blip r:embed="rId9">
+            <a:extLst>
+              <a:ext uri="{28A0092B-C50C-407E-A947-70E740481C1C}">
+                <a14:useLocalDpi xmlns:a14="http://schemas.microsoft.com/office/drawing/2010/main" val="0"/>
+              </a:ext>
+              <a:ext uri="{96DAC541-7B7A-43D3-8B79-37D633B846F1}">
+                <asvg:svgBlip xmlns:asvg="http://schemas.microsoft.com/office/drawing/2016/SVG/main" r:embed="rId10"/>
+              </a:ext>
+            </a:extLst>
+          </a:blip>
+          <a:stretch>
+            <a:fillRect/>
+          </a:stretch>
+        </p:blipFill>
+        <p:spPr>
+          <a:xfrm>
+            <a:off x="5016242" y="4293497"/>
+            <a:ext cx="914400" cy="914400"/>
+          </a:xfrm>
+          <a:prstGeom prst="rect">
+            <a:avLst/>
+          </a:prstGeom>
+        </p:spPr>
+      </p:pic>
+      <p:pic>
+        <p:nvPicPr>
+          <p:cNvPr id="41" name="Grafik 40" descr="Stecker mit einfarbiger Füllung">
+            <a:extLst>
+              <a:ext uri="{FF2B5EF4-FFF2-40B4-BE49-F238E27FC236}">
+                <a16:creationId xmlns:a16="http://schemas.microsoft.com/office/drawing/2014/main" id="{3FC41B06-144C-3D68-B3E1-FA11F5E7EC09}"/>
+              </a:ext>
+            </a:extLst>
+          </p:cNvPr>
+          <p:cNvPicPr>
+            <a:picLocks noChangeAspect="1"/>
+          </p:cNvPicPr>
+          <p:nvPr/>
+        </p:nvPicPr>
+        <p:blipFill>
+          <a:blip r:embed="rId11">
+            <a:extLst>
+              <a:ext uri="{28A0092B-C50C-407E-A947-70E740481C1C}">
+                <a14:useLocalDpi xmlns:a14="http://schemas.microsoft.com/office/drawing/2010/main" val="0"/>
+              </a:ext>
+              <a:ext uri="{96DAC541-7B7A-43D3-8B79-37D633B846F1}">
+                <asvg:svgBlip xmlns:asvg="http://schemas.microsoft.com/office/drawing/2016/SVG/main" r:embed="rId12"/>
+              </a:ext>
+            </a:extLst>
+          </a:blip>
+          <a:stretch>
+            <a:fillRect/>
+          </a:stretch>
+        </p:blipFill>
+        <p:spPr>
+          <a:xfrm>
+            <a:off x="6043470" y="5249852"/>
+            <a:ext cx="914400" cy="914400"/>
+          </a:xfrm>
+          <a:prstGeom prst="rect">
+            <a:avLst/>
+          </a:prstGeom>
+        </p:spPr>
+      </p:pic>
+      <p:pic>
+        <p:nvPicPr>
+          <p:cNvPr id="42" name="Grafik 41" descr="Roboterhand mit einfarbiger Füllung">
+            <a:extLst>
+              <a:ext uri="{FF2B5EF4-FFF2-40B4-BE49-F238E27FC236}">
+                <a16:creationId xmlns:a16="http://schemas.microsoft.com/office/drawing/2014/main" id="{D935A532-0EFB-E894-2FCF-96C1FB17183C}"/>
+              </a:ext>
+            </a:extLst>
+          </p:cNvPr>
+          <p:cNvPicPr>
+            <a:picLocks noChangeAspect="1"/>
+          </p:cNvPicPr>
+          <p:nvPr/>
+        </p:nvPicPr>
+        <p:blipFill>
+          <a:blip r:embed="rId13">
+            <a:extLst>
+              <a:ext uri="{28A0092B-C50C-407E-A947-70E740481C1C}">
+                <a14:useLocalDpi xmlns:a14="http://schemas.microsoft.com/office/drawing/2010/main" val="0"/>
+              </a:ext>
+              <a:ext uri="{96DAC541-7B7A-43D3-8B79-37D633B846F1}">
+                <asvg:svgBlip xmlns:asvg="http://schemas.microsoft.com/office/drawing/2016/SVG/main" r:embed="rId14"/>
+              </a:ext>
+            </a:extLst>
+          </a:blip>
+          <a:stretch>
+            <a:fillRect/>
+          </a:stretch>
+        </p:blipFill>
+        <p:spPr>
+          <a:xfrm>
+            <a:off x="4104224" y="5228874"/>
+            <a:ext cx="914400" cy="914400"/>
+          </a:xfrm>
+          <a:prstGeom prst="rect">
+            <a:avLst/>
+          </a:prstGeom>
+        </p:spPr>
+      </p:pic>
+      <p:pic>
+        <p:nvPicPr>
+          <p:cNvPr id="43" name="Grafik 42" descr="Webcam mit einfarbiger Füllung">
+            <a:extLst>
+              <a:ext uri="{FF2B5EF4-FFF2-40B4-BE49-F238E27FC236}">
+                <a16:creationId xmlns:a16="http://schemas.microsoft.com/office/drawing/2014/main" id="{1E60C13C-D4CE-7B67-8A39-B392CA3725F2}"/>
+              </a:ext>
+            </a:extLst>
+          </p:cNvPr>
+          <p:cNvPicPr>
+            <a:picLocks noChangeAspect="1"/>
+          </p:cNvPicPr>
+          <p:nvPr/>
+        </p:nvPicPr>
+        <p:blipFill>
+          <a:blip r:embed="rId15">
+            <a:extLst>
+              <a:ext uri="{28A0092B-C50C-407E-A947-70E740481C1C}">
+                <a14:useLocalDpi xmlns:a14="http://schemas.microsoft.com/office/drawing/2010/main" val="0"/>
+              </a:ext>
+              <a:ext uri="{96DAC541-7B7A-43D3-8B79-37D633B846F1}">
+                <asvg:svgBlip xmlns:asvg="http://schemas.microsoft.com/office/drawing/2016/SVG/main" r:embed="rId16"/>
+              </a:ext>
+            </a:extLst>
+          </a:blip>
+          <a:stretch>
+            <a:fillRect/>
+          </a:stretch>
+        </p:blipFill>
+        <p:spPr>
+          <a:xfrm>
+            <a:off x="7926521" y="5225122"/>
+            <a:ext cx="914400" cy="914400"/>
+          </a:xfrm>
+          <a:prstGeom prst="rect">
+            <a:avLst/>
+          </a:prstGeom>
+        </p:spPr>
+      </p:pic>
+      <p:pic>
+        <p:nvPicPr>
+          <p:cNvPr id="44" name="Grafik 43" descr="Computer mit einfarbiger Füllung">
+            <a:extLst>
+              <a:ext uri="{FF2B5EF4-FFF2-40B4-BE49-F238E27FC236}">
+                <a16:creationId xmlns:a16="http://schemas.microsoft.com/office/drawing/2014/main" id="{9F449F80-355B-85BD-7B8B-42289E3C4BBE}"/>
+              </a:ext>
+            </a:extLst>
+          </p:cNvPr>
+          <p:cNvPicPr>
+            <a:picLocks noChangeAspect="1"/>
+          </p:cNvPicPr>
+          <p:nvPr/>
+        </p:nvPicPr>
+        <p:blipFill>
+          <a:blip r:embed="rId17">
+            <a:extLst>
+              <a:ext uri="{28A0092B-C50C-407E-A947-70E740481C1C}">
+                <a14:useLocalDpi xmlns:a14="http://schemas.microsoft.com/office/drawing/2010/main" val="0"/>
+              </a:ext>
+              <a:ext uri="{96DAC541-7B7A-43D3-8B79-37D633B846F1}">
+                <asvg:svgBlip xmlns:asvg="http://schemas.microsoft.com/office/drawing/2016/SVG/main" r:embed="rId18"/>
+              </a:ext>
+            </a:extLst>
+          </a:blip>
+          <a:stretch>
+            <a:fillRect/>
+          </a:stretch>
+        </p:blipFill>
+        <p:spPr>
+          <a:xfrm>
+            <a:off x="5508363" y="3155164"/>
+            <a:ext cx="914400" cy="914400"/>
+          </a:xfrm>
+          <a:prstGeom prst="rect">
+            <a:avLst/>
+          </a:prstGeom>
+        </p:spPr>
+      </p:pic>
+      <p:sp>
+        <p:nvSpPr>
+          <p:cNvPr id="52" name="Titel 1">
+            <a:extLst>
+              <a:ext uri="{FF2B5EF4-FFF2-40B4-BE49-F238E27FC236}">
+                <a16:creationId xmlns:a16="http://schemas.microsoft.com/office/drawing/2014/main" id="{63F7A16E-D68A-C1B7-210F-7B2923523148}"/>
+              </a:ext>
+            </a:extLst>
+          </p:cNvPr>
+          <p:cNvSpPr txBox="1">
+            <a:spLocks/>
+          </p:cNvSpPr>
+          <p:nvPr/>
+        </p:nvSpPr>
+        <p:spPr>
+          <a:xfrm>
+            <a:off x="838200" y="365125"/>
+            <a:ext cx="10515600" cy="1325563"/>
+          </a:xfrm>
+          <a:prstGeom prst="rect">
+            <a:avLst/>
+          </a:prstGeom>
+        </p:spPr>
+        <p:txBody>
+          <a:bodyPr vert="horz" lIns="91440" tIns="45720" rIns="91440" bIns="45720" rtlCol="0" anchor="ctr" anchorCtr="0">
+            <a:normAutofit/>
+          </a:bodyPr>
+          <a:lstStyle>
+            <a:lvl1pPr algn="ctr" defTabSz="685800" rtl="0" eaLnBrk="1" latinLnBrk="0" hangingPunct="1">
+              <a:lnSpc>
+                <a:spcPct val="90000"/>
+              </a:lnSpc>
+              <a:spcBef>
+                <a:spcPct val="0"/>
+              </a:spcBef>
+              <a:buNone/>
+              <a:defRPr sz="4500" kern="1200">
+                <a:solidFill>
+                  <a:schemeClr val="tx1"/>
+                </a:solidFill>
+                <a:latin typeface="+mj-lt"/>
+                <a:ea typeface="+mj-ea"/>
+                <a:cs typeface="+mj-cs"/>
+              </a:defRPr>
+            </a:lvl1pPr>
+          </a:lstStyle>
+          <a:p>
+            <a:pPr algn="l"/>
+            <a:r>
+              <a:rPr lang="de-DE" sz="4400" dirty="0" err="1">
+                <a:latin typeface="Segoe UI Light" panose="020B0502040204020203" pitchFamily="34" charset="0"/>
+                <a:cs typeface="Segoe UI Light" panose="020B0502040204020203" pitchFamily="34" charset="0"/>
+              </a:rPr>
+              <a:t>Vertical</a:t>
+            </a:r>
+            <a:r>
+              <a:rPr lang="de-DE" sz="4400" dirty="0">
+                <a:latin typeface="Segoe UI Light" panose="020B0502040204020203" pitchFamily="34" charset="0"/>
+                <a:cs typeface="Segoe UI Light" panose="020B0502040204020203" pitchFamily="34" charset="0"/>
+              </a:rPr>
+              <a:t> Integration</a:t>
+            </a:r>
+            <a:endParaRPr lang="en-US" sz="4400" dirty="0">
+              <a:latin typeface="Segoe UI Light" panose="020B0502040204020203" pitchFamily="34" charset="0"/>
+              <a:cs typeface="Segoe UI Light" panose="020B0502040204020203" pitchFamily="34" charset="0"/>
+            </a:endParaRPr>
+          </a:p>
+        </p:txBody>
+      </p:sp>
+      <p:grpSp>
+        <p:nvGrpSpPr>
+          <p:cNvPr id="12" name="Gruppieren 11">
+            <a:extLst>
+              <a:ext uri="{FF2B5EF4-FFF2-40B4-BE49-F238E27FC236}">
+                <a16:creationId xmlns:a16="http://schemas.microsoft.com/office/drawing/2014/main" id="{E89789A1-BC47-29AE-34B3-D9B7B75E82E8}"/>
+              </a:ext>
+            </a:extLst>
+          </p:cNvPr>
+          <p:cNvGrpSpPr/>
+          <p:nvPr/>
+        </p:nvGrpSpPr>
+        <p:grpSpPr>
+          <a:xfrm>
+            <a:off x="8802123" y="356776"/>
+            <a:ext cx="1579620" cy="4806260"/>
+            <a:chOff x="8801855" y="353465"/>
+            <a:chExt cx="1579620" cy="4806260"/>
+          </a:xfrm>
+        </p:grpSpPr>
+        <p:sp>
+          <p:nvSpPr>
+            <p:cNvPr id="11" name="Trapezoid 10">
+              <a:extLst>
+                <a:ext uri="{FF2B5EF4-FFF2-40B4-BE49-F238E27FC236}">
+                  <a16:creationId xmlns:a16="http://schemas.microsoft.com/office/drawing/2014/main" id="{9D45569D-4142-17F9-3C24-54651B2692DE}"/>
+                </a:ext>
+              </a:extLst>
+            </p:cNvPr>
+            <p:cNvSpPr/>
+            <p:nvPr/>
+          </p:nvSpPr>
+          <p:spPr>
+            <a:xfrm rot="3094374">
+              <a:off x="7188535" y="1966785"/>
+              <a:ext cx="4806260" cy="1579620"/>
+            </a:xfrm>
+            <a:prstGeom prst="trapezoid">
+              <a:avLst>
+                <a:gd name="adj" fmla="val 43500"/>
+              </a:avLst>
+            </a:prstGeom>
+            <a:solidFill>
+              <a:schemeClr val="tx2">
+                <a:lumMod val="50000"/>
+                <a:alpha val="75000"/>
+              </a:schemeClr>
+            </a:solidFill>
+          </p:spPr>
+          <p:style>
+            <a:lnRef idx="2">
+              <a:schemeClr val="accent1">
+                <a:shade val="15000"/>
+              </a:schemeClr>
+            </a:lnRef>
+            <a:fillRef idx="1">
+              <a:schemeClr val="accent1"/>
+            </a:fillRef>
+            <a:effectRef idx="0">
+              <a:schemeClr val="accent1"/>
+            </a:effectRef>
+            <a:fontRef idx="minor">
+              <a:schemeClr val="lt1"/>
+            </a:fontRef>
+          </p:style>
+          <p:txBody>
+            <a:bodyPr rtlCol="0" anchor="ctr"/>
+            <a:lstStyle/>
+            <a:p>
+              <a:pPr algn="ctr"/>
+              <a:endParaRPr lang="de-DE"/>
+            </a:p>
+          </p:txBody>
+        </p:sp>
+        <p:sp>
+          <p:nvSpPr>
+            <p:cNvPr id="3" name="Pfeil: nach oben und unten 2">
+              <a:extLst>
+                <a:ext uri="{FF2B5EF4-FFF2-40B4-BE49-F238E27FC236}">
+                  <a16:creationId xmlns:a16="http://schemas.microsoft.com/office/drawing/2014/main" id="{48BA83C3-9627-E543-7447-2139649DA27A}"/>
+                </a:ext>
+              </a:extLst>
+            </p:cNvPr>
+            <p:cNvSpPr/>
+            <p:nvPr/>
+          </p:nvSpPr>
+          <p:spPr>
+            <a:xfrm rot="19275648">
+              <a:off x="9145846" y="1090566"/>
+              <a:ext cx="876849" cy="3412810"/>
+            </a:xfrm>
+            <a:prstGeom prst="upDownArrow">
+              <a:avLst/>
+            </a:prstGeom>
+            <a:solidFill>
+              <a:schemeClr val="accent2">
+                <a:alpha val="63000"/>
+              </a:schemeClr>
+            </a:solidFill>
+            <a:ln>
+              <a:solidFill>
+                <a:schemeClr val="accent2"/>
+              </a:solidFill>
+            </a:ln>
+          </p:spPr>
+          <p:style>
+            <a:lnRef idx="2">
+              <a:schemeClr val="accent1">
+                <a:shade val="50000"/>
+              </a:schemeClr>
+            </a:lnRef>
+            <a:fillRef idx="1">
+              <a:schemeClr val="accent1"/>
+            </a:fillRef>
+            <a:effectRef idx="0">
+              <a:schemeClr val="accent1"/>
+            </a:effectRef>
+            <a:fontRef idx="minor">
+              <a:schemeClr val="lt1"/>
+            </a:fontRef>
+          </p:style>
+          <p:txBody>
+            <a:bodyPr rtlCol="0" anchor="ctr"/>
+            <a:lstStyle/>
+            <a:p>
+              <a:pPr algn="ctr"/>
+              <a:endParaRPr lang="en-US"/>
+            </a:p>
+          </p:txBody>
+        </p:sp>
+        <p:pic>
+          <p:nvPicPr>
+            <p:cNvPr id="5" name="Grafik 4">
+              <a:extLst>
+                <a:ext uri="{FF2B5EF4-FFF2-40B4-BE49-F238E27FC236}">
+                  <a16:creationId xmlns:a16="http://schemas.microsoft.com/office/drawing/2014/main" id="{F1DF8AAB-5A66-E10F-985D-047D03A7691E}"/>
+                </a:ext>
+              </a:extLst>
+            </p:cNvPr>
+            <p:cNvPicPr>
+              <a:picLocks noChangeAspect="1"/>
+            </p:cNvPicPr>
+            <p:nvPr/>
+          </p:nvPicPr>
+          <p:blipFill>
+            <a:blip r:embed="rId19"/>
+            <a:stretch>
+              <a:fillRect/>
+            </a:stretch>
+          </p:blipFill>
+          <p:spPr>
+            <a:xfrm>
+              <a:off x="8941541" y="2166549"/>
+              <a:ext cx="1300247" cy="1300247"/>
+            </a:xfrm>
+            <a:prstGeom prst="rect">
+              <a:avLst/>
+            </a:prstGeom>
+          </p:spPr>
+        </p:pic>
+      </p:grpSp>
+      <p:sp>
+        <p:nvSpPr>
+          <p:cNvPr id="7" name="Textfeld 6">
+            <a:extLst>
+              <a:ext uri="{FF2B5EF4-FFF2-40B4-BE49-F238E27FC236}">
+                <a16:creationId xmlns:a16="http://schemas.microsoft.com/office/drawing/2014/main" id="{107B4C1B-AFDF-8A2E-3EEC-7F27FAE612B5}"/>
+              </a:ext>
+            </a:extLst>
+          </p:cNvPr>
+          <p:cNvSpPr txBox="1"/>
+          <p:nvPr/>
+        </p:nvSpPr>
+        <p:spPr>
+          <a:xfrm>
+            <a:off x="9631491" y="1056877"/>
+            <a:ext cx="2514949" cy="523220"/>
+          </a:xfrm>
+          <a:prstGeom prst="rect">
+            <a:avLst/>
+          </a:prstGeom>
+          <a:noFill/>
+        </p:spPr>
+        <p:txBody>
+          <a:bodyPr wrap="square" rtlCol="0">
+            <a:spAutoFit/>
+          </a:bodyPr>
+          <a:lstStyle/>
+          <a:p>
+            <a:r>
+              <a:rPr lang="de-DE" sz="2800" dirty="0">
+                <a:latin typeface="Segoe UI Light" panose="020B0502040204020203" pitchFamily="34" charset="0"/>
+                <a:cs typeface="Segoe UI Light" panose="020B0502040204020203" pitchFamily="34" charset="0"/>
+              </a:rPr>
+              <a:t>VI Framework</a:t>
+            </a:r>
+            <a:endParaRPr lang="en-US" sz="2800" dirty="0">
+              <a:latin typeface="Segoe UI Light" panose="020B0502040204020203" pitchFamily="34" charset="0"/>
+              <a:cs typeface="Segoe UI Light" panose="020B0502040204020203" pitchFamily="34" charset="0"/>
+            </a:endParaRPr>
+          </a:p>
+        </p:txBody>
+      </p:sp>
+      <p:pic>
+        <p:nvPicPr>
+          <p:cNvPr id="8" name="Grafik 7" descr="Computer mit einfarbiger Füllung">
+            <a:extLst>
+              <a:ext uri="{FF2B5EF4-FFF2-40B4-BE49-F238E27FC236}">
+                <a16:creationId xmlns:a16="http://schemas.microsoft.com/office/drawing/2014/main" id="{2AA2BD10-5529-B47C-469A-84F9C04040D3}"/>
+              </a:ext>
+            </a:extLst>
+          </p:cNvPr>
+          <p:cNvPicPr>
+            <a:picLocks noChangeAspect="1"/>
+          </p:cNvPicPr>
+          <p:nvPr/>
+        </p:nvPicPr>
+        <p:blipFill>
+          <a:blip r:embed="rId17">
+            <a:extLst>
+              <a:ext uri="{28A0092B-C50C-407E-A947-70E740481C1C}">
+                <a14:useLocalDpi xmlns:a14="http://schemas.microsoft.com/office/drawing/2010/main" val="0"/>
+              </a:ext>
+              <a:ext uri="{96DAC541-7B7A-43D3-8B79-37D633B846F1}">
+                <asvg:svgBlip xmlns:asvg="http://schemas.microsoft.com/office/drawing/2016/SVG/main" r:embed="rId18"/>
+              </a:ext>
+            </a:extLst>
+          </a:blip>
+          <a:stretch>
+            <a:fillRect/>
+          </a:stretch>
+        </p:blipFill>
+        <p:spPr>
+          <a:xfrm>
+            <a:off x="7164521" y="4428189"/>
+            <a:ext cx="914400" cy="914400"/>
+          </a:xfrm>
+          <a:prstGeom prst="rect">
+            <a:avLst/>
+          </a:prstGeom>
+        </p:spPr>
+      </p:pic>
+      <p:pic>
+        <p:nvPicPr>
+          <p:cNvPr id="10" name="Grafik 9" descr="Datenbank mit einfarbiger Füllung">
+            <a:extLst>
+              <a:ext uri="{FF2B5EF4-FFF2-40B4-BE49-F238E27FC236}">
+                <a16:creationId xmlns:a16="http://schemas.microsoft.com/office/drawing/2014/main" id="{E3FBA437-197D-5115-C03F-251F7357DC47}"/>
+              </a:ext>
+            </a:extLst>
+          </p:cNvPr>
+          <p:cNvPicPr>
+            <a:picLocks noChangeAspect="1"/>
+          </p:cNvPicPr>
+          <p:nvPr/>
+        </p:nvPicPr>
+        <p:blipFill>
+          <a:blip r:embed="rId20">
+            <a:extLst>
+              <a:ext uri="{28A0092B-C50C-407E-A947-70E740481C1C}">
+                <a14:useLocalDpi xmlns:a14="http://schemas.microsoft.com/office/drawing/2010/main" val="0"/>
+              </a:ext>
+              <a:ext uri="{96DAC541-7B7A-43D3-8B79-37D633B846F1}">
+                <asvg:svgBlip xmlns:asvg="http://schemas.microsoft.com/office/drawing/2016/SVG/main" r:embed="rId21"/>
+              </a:ext>
+            </a:extLst>
+          </a:blip>
+          <a:stretch>
+            <a:fillRect/>
+          </a:stretch>
+        </p:blipFill>
+        <p:spPr>
+          <a:xfrm>
+            <a:off x="6859024" y="3128905"/>
+            <a:ext cx="914400" cy="914400"/>
+          </a:xfrm>
+          <a:prstGeom prst="rect">
+            <a:avLst/>
+          </a:prstGeom>
+        </p:spPr>
+      </p:pic>
+      <p:sp>
+        <p:nvSpPr>
+          <p:cNvPr id="9" name="Textfeld 8">
+            <a:extLst>
+              <a:ext uri="{FF2B5EF4-FFF2-40B4-BE49-F238E27FC236}">
+                <a16:creationId xmlns:a16="http://schemas.microsoft.com/office/drawing/2014/main" id="{02334A1D-EC0C-2AD2-9EB3-28CD7798D3EA}"/>
+              </a:ext>
+            </a:extLst>
+          </p:cNvPr>
+          <p:cNvSpPr txBox="1"/>
+          <p:nvPr/>
+        </p:nvSpPr>
+        <p:spPr>
+          <a:xfrm>
+            <a:off x="1131960" y="2468421"/>
+            <a:ext cx="3795380" cy="400110"/>
+          </a:xfrm>
+          <a:prstGeom prst="rect">
+            <a:avLst/>
+          </a:prstGeom>
+          <a:noFill/>
+        </p:spPr>
+        <p:txBody>
+          <a:bodyPr wrap="square" rtlCol="0">
+            <a:spAutoFit/>
+          </a:bodyPr>
+          <a:lstStyle/>
+          <a:p>
+            <a:r>
+              <a:rPr lang="de-DE" sz="2000" dirty="0">
+                <a:latin typeface="Segoe UI Light" panose="020B0502040204020203" pitchFamily="34" charset="0"/>
+                <a:cs typeface="Segoe UI Light" panose="020B0502040204020203" pitchFamily="34" charset="0"/>
+              </a:rPr>
+              <a:t>Enterprise </a:t>
+            </a:r>
+            <a:r>
+              <a:rPr lang="de-DE" sz="2000" dirty="0" err="1">
+                <a:latin typeface="Segoe UI Light" panose="020B0502040204020203" pitchFamily="34" charset="0"/>
+                <a:cs typeface="Segoe UI Light" panose="020B0502040204020203" pitchFamily="34" charset="0"/>
+              </a:rPr>
+              <a:t>Manangement</a:t>
+            </a:r>
+            <a:endParaRPr lang="en-US" sz="2000" dirty="0">
+              <a:latin typeface="Segoe UI Light" panose="020B0502040204020203" pitchFamily="34" charset="0"/>
+              <a:cs typeface="Segoe UI Light" panose="020B0502040204020203" pitchFamily="34" charset="0"/>
+            </a:endParaRPr>
+          </a:p>
+        </p:txBody>
+      </p:sp>
+      <p:sp>
+        <p:nvSpPr>
+          <p:cNvPr id="13" name="Textfeld 12">
+            <a:extLst>
+              <a:ext uri="{FF2B5EF4-FFF2-40B4-BE49-F238E27FC236}">
+                <a16:creationId xmlns:a16="http://schemas.microsoft.com/office/drawing/2014/main" id="{75D665EF-23DE-CAF5-67BA-B96968B6B647}"/>
+              </a:ext>
+            </a:extLst>
+          </p:cNvPr>
+          <p:cNvSpPr txBox="1"/>
+          <p:nvPr/>
+        </p:nvSpPr>
+        <p:spPr>
+          <a:xfrm>
+            <a:off x="1131959" y="3662129"/>
+            <a:ext cx="3210389" cy="400110"/>
+          </a:xfrm>
+          <a:prstGeom prst="rect">
+            <a:avLst/>
+          </a:prstGeom>
+          <a:noFill/>
+        </p:spPr>
+        <p:txBody>
+          <a:bodyPr wrap="square" rtlCol="0">
+            <a:spAutoFit/>
+          </a:bodyPr>
+          <a:lstStyle/>
+          <a:p>
+            <a:r>
+              <a:rPr lang="de-DE" sz="2000" dirty="0">
+                <a:latin typeface="Segoe UI Light" panose="020B0502040204020203" pitchFamily="34" charset="0"/>
+                <a:cs typeface="Segoe UI Light" panose="020B0502040204020203" pitchFamily="34" charset="0"/>
+              </a:rPr>
+              <a:t>Plant Management</a:t>
+            </a:r>
+            <a:endParaRPr lang="en-US" sz="2000" dirty="0">
+              <a:latin typeface="Segoe UI Light" panose="020B0502040204020203" pitchFamily="34" charset="0"/>
+              <a:cs typeface="Segoe UI Light" panose="020B0502040204020203" pitchFamily="34" charset="0"/>
+            </a:endParaRPr>
+          </a:p>
+        </p:txBody>
+      </p:sp>
+      <p:sp>
+        <p:nvSpPr>
+          <p:cNvPr id="14" name="Textplatzhalter 4">
+            <a:extLst>
+              <a:ext uri="{FF2B5EF4-FFF2-40B4-BE49-F238E27FC236}">
+                <a16:creationId xmlns:a16="http://schemas.microsoft.com/office/drawing/2014/main" id="{D15581F0-9084-B87E-EE03-0A64D174BFE9}"/>
+              </a:ext>
+            </a:extLst>
+          </p:cNvPr>
+          <p:cNvSpPr txBox="1">
+            <a:spLocks/>
+          </p:cNvSpPr>
+          <p:nvPr/>
+        </p:nvSpPr>
+        <p:spPr>
+          <a:xfrm>
+            <a:off x="-1" y="6378575"/>
+            <a:ext cx="838201" cy="498475"/>
+          </a:xfrm>
+          <a:prstGeom prst="rect">
+            <a:avLst/>
+          </a:prstGeom>
+        </p:spPr>
+        <p:txBody>
+          <a:bodyPr vert="horz" lIns="91440" tIns="45720" rIns="91440" bIns="45720" rtlCol="0">
+            <a:normAutofit/>
+          </a:bodyPr>
+          <a:lstStyle>
+            <a:lvl1pPr marL="0" indent="0" algn="ctr" defTabSz="685800" rtl="0" eaLnBrk="1" latinLnBrk="0" hangingPunct="1">
+              <a:lnSpc>
+                <a:spcPct val="90000"/>
+              </a:lnSpc>
+              <a:spcBef>
+                <a:spcPts val="750"/>
+              </a:spcBef>
+              <a:buFont typeface="Arial" panose="020B0604020202020204" pitchFamily="34" charset="0"/>
+              <a:buNone/>
+              <a:defRPr sz="1800" kern="1200">
+                <a:solidFill>
+                  <a:schemeClr val="tx1"/>
+                </a:solidFill>
+                <a:latin typeface="+mn-lt"/>
+                <a:ea typeface="+mn-ea"/>
+                <a:cs typeface="+mn-cs"/>
+              </a:defRPr>
+            </a:lvl1pPr>
+            <a:lvl2pPr marL="342900" indent="0" algn="ctr" defTabSz="685800" rtl="0" eaLnBrk="1" latinLnBrk="0" hangingPunct="1">
+              <a:lnSpc>
+                <a:spcPct val="90000"/>
+              </a:lnSpc>
+              <a:spcBef>
+                <a:spcPts val="375"/>
+              </a:spcBef>
+              <a:buFont typeface="Arial" panose="020B0604020202020204" pitchFamily="34" charset="0"/>
+              <a:buNone/>
+              <a:defRPr sz="1500" kern="1200">
+                <a:solidFill>
+                  <a:schemeClr val="tx1"/>
+                </a:solidFill>
+                <a:latin typeface="+mn-lt"/>
+                <a:ea typeface="+mn-ea"/>
+                <a:cs typeface="+mn-cs"/>
+              </a:defRPr>
+            </a:lvl2pPr>
+            <a:lvl3pPr marL="685800" indent="0" algn="ctr" defTabSz="685800" rtl="0" eaLnBrk="1" latinLnBrk="0" hangingPunct="1">
+              <a:lnSpc>
+                <a:spcPct val="90000"/>
+              </a:lnSpc>
+              <a:spcBef>
+                <a:spcPts val="375"/>
+              </a:spcBef>
+              <a:buFont typeface="Arial" panose="020B0604020202020204" pitchFamily="34" charset="0"/>
+              <a:buNone/>
+              <a:defRPr sz="1350" kern="1200">
+                <a:solidFill>
+                  <a:schemeClr val="tx1"/>
+                </a:solidFill>
+                <a:latin typeface="+mn-lt"/>
+                <a:ea typeface="+mn-ea"/>
+                <a:cs typeface="+mn-cs"/>
+              </a:defRPr>
+            </a:lvl3pPr>
+            <a:lvl4pPr marL="1028700" indent="0" algn="ctr" defTabSz="685800" rtl="0" eaLnBrk="1" latinLnBrk="0" hangingPunct="1">
+              <a:lnSpc>
+                <a:spcPct val="90000"/>
+              </a:lnSpc>
+              <a:spcBef>
+                <a:spcPts val="375"/>
+              </a:spcBef>
+              <a:buFont typeface="Arial" panose="020B0604020202020204" pitchFamily="34" charset="0"/>
+              <a:buNone/>
+              <a:defRPr sz="1200" kern="1200">
+                <a:solidFill>
+                  <a:schemeClr val="tx1"/>
+                </a:solidFill>
+                <a:latin typeface="+mn-lt"/>
+                <a:ea typeface="+mn-ea"/>
+                <a:cs typeface="+mn-cs"/>
+              </a:defRPr>
+            </a:lvl4pPr>
+            <a:lvl5pPr marL="1371600" indent="0" algn="ctr" defTabSz="685800" rtl="0" eaLnBrk="1" latinLnBrk="0" hangingPunct="1">
+              <a:lnSpc>
+                <a:spcPct val="90000"/>
+              </a:lnSpc>
+              <a:spcBef>
+                <a:spcPts val="375"/>
+              </a:spcBef>
+              <a:buFont typeface="Arial" panose="020B0604020202020204" pitchFamily="34" charset="0"/>
+              <a:buNone/>
+              <a:defRPr sz="1200" kern="1200">
+                <a:solidFill>
+                  <a:schemeClr val="tx1"/>
+                </a:solidFill>
+                <a:latin typeface="+mn-lt"/>
+                <a:ea typeface="+mn-ea"/>
+                <a:cs typeface="+mn-cs"/>
+              </a:defRPr>
+            </a:lvl5pPr>
+            <a:lvl6pPr marL="1714500" indent="0" algn="ctr" defTabSz="685800" rtl="0" eaLnBrk="1" latinLnBrk="0" hangingPunct="1">
+              <a:lnSpc>
+                <a:spcPct val="90000"/>
+              </a:lnSpc>
+              <a:spcBef>
+                <a:spcPts val="375"/>
+              </a:spcBef>
+              <a:buFont typeface="Arial" panose="020B0604020202020204" pitchFamily="34" charset="0"/>
+              <a:buNone/>
+              <a:defRPr sz="1200" kern="1200">
+                <a:solidFill>
+                  <a:schemeClr val="tx1"/>
+                </a:solidFill>
+                <a:latin typeface="+mn-lt"/>
+                <a:ea typeface="+mn-ea"/>
+                <a:cs typeface="+mn-cs"/>
+              </a:defRPr>
+            </a:lvl6pPr>
+            <a:lvl7pPr marL="2057400" indent="0" algn="ctr" defTabSz="685800" rtl="0" eaLnBrk="1" latinLnBrk="0" hangingPunct="1">
+              <a:lnSpc>
+                <a:spcPct val="90000"/>
+              </a:lnSpc>
+              <a:spcBef>
+                <a:spcPts val="375"/>
+              </a:spcBef>
+              <a:buFont typeface="Arial" panose="020B0604020202020204" pitchFamily="34" charset="0"/>
+              <a:buNone/>
+              <a:defRPr sz="1200" kern="1200">
+                <a:solidFill>
+                  <a:schemeClr val="tx1"/>
+                </a:solidFill>
+                <a:latin typeface="+mn-lt"/>
+                <a:ea typeface="+mn-ea"/>
+                <a:cs typeface="+mn-cs"/>
+              </a:defRPr>
+            </a:lvl7pPr>
+            <a:lvl8pPr marL="2400300" indent="0" algn="ctr" defTabSz="685800" rtl="0" eaLnBrk="1" latinLnBrk="0" hangingPunct="1">
+              <a:lnSpc>
+                <a:spcPct val="90000"/>
+              </a:lnSpc>
+              <a:spcBef>
+                <a:spcPts val="375"/>
+              </a:spcBef>
+              <a:buFont typeface="Arial" panose="020B0604020202020204" pitchFamily="34" charset="0"/>
+              <a:buNone/>
+              <a:defRPr sz="1200" kern="1200">
+                <a:solidFill>
+                  <a:schemeClr val="tx1"/>
+                </a:solidFill>
+                <a:latin typeface="+mn-lt"/>
+                <a:ea typeface="+mn-ea"/>
+                <a:cs typeface="+mn-cs"/>
+              </a:defRPr>
+            </a:lvl8pPr>
+            <a:lvl9pPr marL="2743200" indent="0" algn="ctr" defTabSz="685800" rtl="0" eaLnBrk="1" latinLnBrk="0" hangingPunct="1">
+              <a:lnSpc>
+                <a:spcPct val="90000"/>
+              </a:lnSpc>
+              <a:spcBef>
+                <a:spcPts val="375"/>
+              </a:spcBef>
+              <a:buFont typeface="Arial" panose="020B0604020202020204" pitchFamily="34" charset="0"/>
+              <a:buNone/>
+              <a:defRPr sz="1200" kern="1200">
+                <a:solidFill>
+                  <a:schemeClr val="tx1"/>
+                </a:solidFill>
+                <a:latin typeface="+mn-lt"/>
+                <a:ea typeface="+mn-ea"/>
+                <a:cs typeface="+mn-cs"/>
+              </a:defRPr>
+            </a:lvl9pPr>
+          </a:lstStyle>
+          <a:p>
+            <a:pPr algn="r"/>
+            <a:r>
+              <a:rPr lang="de-DE" dirty="0">
+                <a:latin typeface="Segoe UI Light" panose="020B0502040204020203" pitchFamily="34" charset="0"/>
+                <a:cs typeface="Segoe UI Light" panose="020B0502040204020203" pitchFamily="34" charset="0"/>
+              </a:rPr>
+              <a:t>1</a:t>
+            </a:r>
+            <a:endParaRPr lang="en-US" dirty="0">
+              <a:latin typeface="Segoe UI Light" panose="020B0502040204020203" pitchFamily="34" charset="0"/>
+              <a:cs typeface="Segoe UI Light" panose="020B0502040204020203" pitchFamily="34" charset="0"/>
+            </a:endParaRPr>
+          </a:p>
+        </p:txBody>
+      </p:sp>
+    </p:spTree>
+    <p:extLst>
+      <p:ext uri="{BB962C8B-B14F-4D97-AF65-F5344CB8AC3E}">
+        <p14:creationId xmlns:p14="http://schemas.microsoft.com/office/powerpoint/2010/main" val="1642002980"/>
+      </p:ext>
+    </p:extLst>
+  </p:cSld>
+  <p:clrMapOvr>
+    <a:masterClrMapping/>
+  </p:clrMapOvr>
+</p:sld>
+</file>
+
+<file path=ppt/slides/slide3.xml><?xml version="1.0" encoding="utf-8"?>
 <p:sld xmlns:a="http://schemas.openxmlformats.org/drawingml/2006/main" xmlns:r="http://schemas.openxmlformats.org/officeDocument/2006/relationships" xmlns:p="http://schemas.openxmlformats.org/presentationml/2006/main">
   <p:cSld>
     <p:spTree>
@@ -29067,7 +31127,7 @@
 </p:sld>
 </file>
 
-<file path=ppt/slides/slide3.xml><?xml version="1.0" encoding="utf-8"?>
+<file path=ppt/slides/slide4.xml><?xml version="1.0" encoding="utf-8"?>
 <p:sld xmlns:a="http://schemas.openxmlformats.org/drawingml/2006/main" xmlns:r="http://schemas.openxmlformats.org/officeDocument/2006/relationships" xmlns:p="http://schemas.openxmlformats.org/presentationml/2006/main">
   <p:cSld>
     <p:spTree>
@@ -30624,7 +32684,7 @@
 </p:sld>
 </file>
 
-<file path=ppt/slides/slide4.xml><?xml version="1.0" encoding="utf-8"?>
+<file path=ppt/slides/slide5.xml><?xml version="1.0" encoding="utf-8"?>
 <p:sld xmlns:a="http://schemas.openxmlformats.org/drawingml/2006/main" xmlns:r="http://schemas.openxmlformats.org/officeDocument/2006/relationships" xmlns:p="http://schemas.openxmlformats.org/presentationml/2006/main">
   <p:cSld>
     <p:spTree>
@@ -31685,7 +33745,7 @@
 </p:sld>
 </file>
 
-<file path=ppt/slides/slide5.xml><?xml version="1.0" encoding="utf-8"?>
+<file path=ppt/slides/slide6.xml><?xml version="1.0" encoding="utf-8"?>
 <p:sld xmlns:a="http://schemas.openxmlformats.org/drawingml/2006/main" xmlns:r="http://schemas.openxmlformats.org/officeDocument/2006/relationships" xmlns:p="http://schemas.openxmlformats.org/presentationml/2006/main">
   <p:cSld>
     <p:spTree>
@@ -32833,7 +34893,7 @@
 </p:sld>
 </file>
 
-<file path=ppt/slides/slide6.xml><?xml version="1.0" encoding="utf-8"?>
+<file path=ppt/slides/slide7.xml><?xml version="1.0" encoding="utf-8"?>
 <p:sld xmlns:a="http://schemas.openxmlformats.org/drawingml/2006/main" xmlns:r="http://schemas.openxmlformats.org/officeDocument/2006/relationships" xmlns:p="http://schemas.openxmlformats.org/presentationml/2006/main">
   <p:cSld>
     <p:spTree>
@@ -33921,7 +35981,7 @@
 </p:sld>
 </file>
 
-<file path=ppt/slides/slide7.xml><?xml version="1.0" encoding="utf-8"?>
+<file path=ppt/slides/slide8.xml><?xml version="1.0" encoding="utf-8"?>
 <p:sld xmlns:a="http://schemas.openxmlformats.org/drawingml/2006/main" xmlns:r="http://schemas.openxmlformats.org/officeDocument/2006/relationships" xmlns:p="http://schemas.openxmlformats.org/presentationml/2006/main">
   <p:cSld>
     <p:spTree>
@@ -34835,7 +36895,7 @@
 </p:sld>
 </file>
 
-<file path=ppt/slides/slide8.xml><?xml version="1.0" encoding="utf-8"?>
+<file path=ppt/slides/slide9.xml><?xml version="1.0" encoding="utf-8"?>
 <p:sld xmlns:a="http://schemas.openxmlformats.org/drawingml/2006/main" xmlns:r="http://schemas.openxmlformats.org/officeDocument/2006/relationships" xmlns:p="http://schemas.openxmlformats.org/presentationml/2006/main">
   <p:cSld>
     <p:spTree>
@@ -35799,635 +37859,6 @@
     <p:extLst>
       <p:ext uri="{BB962C8B-B14F-4D97-AF65-F5344CB8AC3E}">
         <p14:creationId xmlns:p14="http://schemas.microsoft.com/office/powerpoint/2010/main" val="2488912254"/>
-      </p:ext>
-    </p:extLst>
-  </p:cSld>
-  <p:clrMapOvr>
-    <a:masterClrMapping/>
-  </p:clrMapOvr>
-</p:sld>
-</file>
-
-<file path=ppt/slides/slide9.xml><?xml version="1.0" encoding="utf-8"?>
-<p:sld xmlns:a="http://schemas.openxmlformats.org/drawingml/2006/main" xmlns:r="http://schemas.openxmlformats.org/officeDocument/2006/relationships" xmlns:p="http://schemas.openxmlformats.org/presentationml/2006/main">
-  <p:cSld>
-    <p:spTree>
-      <p:nvGrpSpPr>
-        <p:cNvPr id="1" name=""/>
-        <p:cNvGrpSpPr/>
-        <p:nvPr/>
-      </p:nvGrpSpPr>
-      <p:grpSpPr>
-        <a:xfrm>
-          <a:off x="0" y="0"/>
-          <a:ext cx="0" cy="0"/>
-          <a:chOff x="0" y="0"/>
-          <a:chExt cx="0" cy="0"/>
-        </a:xfrm>
-      </p:grpSpPr>
-      <p:sp>
-        <p:nvSpPr>
-          <p:cNvPr id="39" name="Titel 1">
-            <a:extLst>
-              <a:ext uri="{FF2B5EF4-FFF2-40B4-BE49-F238E27FC236}">
-                <a16:creationId xmlns:a16="http://schemas.microsoft.com/office/drawing/2014/main" id="{70F7F0A0-1187-B568-A428-4732C42400B0}"/>
-              </a:ext>
-            </a:extLst>
-          </p:cNvPr>
-          <p:cNvSpPr txBox="1">
-            <a:spLocks/>
-          </p:cNvSpPr>
-          <p:nvPr/>
-        </p:nvSpPr>
-        <p:spPr>
-          <a:xfrm>
-            <a:off x="838200" y="365125"/>
-            <a:ext cx="10515600" cy="1325563"/>
-          </a:xfrm>
-          <a:prstGeom prst="rect">
-            <a:avLst/>
-          </a:prstGeom>
-        </p:spPr>
-        <p:txBody>
-          <a:bodyPr vert="horz" lIns="91440" tIns="45720" rIns="91440" bIns="45720" rtlCol="0" anchor="ctr" anchorCtr="0">
-            <a:normAutofit/>
-          </a:bodyPr>
-          <a:lstStyle>
-            <a:lvl1pPr algn="ctr" defTabSz="685800" rtl="0" eaLnBrk="1" latinLnBrk="0" hangingPunct="1">
-              <a:lnSpc>
-                <a:spcPct val="90000"/>
-              </a:lnSpc>
-              <a:spcBef>
-                <a:spcPct val="0"/>
-              </a:spcBef>
-              <a:buNone/>
-              <a:defRPr sz="4500" kern="1200">
-                <a:solidFill>
-                  <a:schemeClr val="tx1"/>
-                </a:solidFill>
-                <a:latin typeface="+mj-lt"/>
-                <a:ea typeface="+mj-ea"/>
-                <a:cs typeface="+mj-cs"/>
-              </a:defRPr>
-            </a:lvl1pPr>
-          </a:lstStyle>
-          <a:p>
-            <a:pPr algn="l"/>
-            <a:r>
-              <a:rPr lang="de-DE" sz="4400" dirty="0">
-                <a:latin typeface="Segoe UI Light" panose="020B0502040204020203" pitchFamily="34" charset="0"/>
-                <a:cs typeface="Segoe UI Light" panose="020B0502040204020203" pitchFamily="34" charset="0"/>
-              </a:rPr>
-              <a:t>Validation</a:t>
-            </a:r>
-            <a:endParaRPr lang="en-US" sz="4400" dirty="0">
-              <a:latin typeface="Segoe UI Light" panose="020B0502040204020203" pitchFamily="34" charset="0"/>
-              <a:cs typeface="Segoe UI Light" panose="020B0502040204020203" pitchFamily="34" charset="0"/>
-            </a:endParaRPr>
-          </a:p>
-        </p:txBody>
-      </p:sp>
-      <p:sp>
-        <p:nvSpPr>
-          <p:cNvPr id="4" name="Textplatzhalter 4">
-            <a:extLst>
-              <a:ext uri="{FF2B5EF4-FFF2-40B4-BE49-F238E27FC236}">
-                <a16:creationId xmlns:a16="http://schemas.microsoft.com/office/drawing/2014/main" id="{BAC39E3B-D0A8-611D-751F-0CDFFC4C578F}"/>
-              </a:ext>
-            </a:extLst>
-          </p:cNvPr>
-          <p:cNvSpPr txBox="1">
-            <a:spLocks/>
-          </p:cNvSpPr>
-          <p:nvPr/>
-        </p:nvSpPr>
-        <p:spPr>
-          <a:xfrm>
-            <a:off x="838200" y="1972918"/>
-            <a:ext cx="6396258" cy="3221356"/>
-          </a:xfrm>
-          <a:prstGeom prst="rect">
-            <a:avLst/>
-          </a:prstGeom>
-        </p:spPr>
-        <p:txBody>
-          <a:bodyPr vert="horz" lIns="91440" tIns="45720" rIns="91440" bIns="45720" rtlCol="0">
-            <a:normAutofit/>
-          </a:bodyPr>
-          <a:lstStyle>
-            <a:lvl1pPr marL="0" indent="0" algn="ctr" defTabSz="685800" rtl="0" eaLnBrk="1" latinLnBrk="0" hangingPunct="1">
-              <a:lnSpc>
-                <a:spcPct val="90000"/>
-              </a:lnSpc>
-              <a:spcBef>
-                <a:spcPts val="750"/>
-              </a:spcBef>
-              <a:buFont typeface="Arial" panose="020B0604020202020204" pitchFamily="34" charset="0"/>
-              <a:buNone/>
-              <a:defRPr sz="1800" kern="1200">
-                <a:solidFill>
-                  <a:schemeClr val="tx1"/>
-                </a:solidFill>
-                <a:latin typeface="+mn-lt"/>
-                <a:ea typeface="+mn-ea"/>
-                <a:cs typeface="+mn-cs"/>
-              </a:defRPr>
-            </a:lvl1pPr>
-            <a:lvl2pPr marL="342900" indent="0" algn="ctr" defTabSz="685800" rtl="0" eaLnBrk="1" latinLnBrk="0" hangingPunct="1">
-              <a:lnSpc>
-                <a:spcPct val="90000"/>
-              </a:lnSpc>
-              <a:spcBef>
-                <a:spcPts val="375"/>
-              </a:spcBef>
-              <a:buFont typeface="Arial" panose="020B0604020202020204" pitchFamily="34" charset="0"/>
-              <a:buNone/>
-              <a:defRPr sz="1500" kern="1200">
-                <a:solidFill>
-                  <a:schemeClr val="tx1"/>
-                </a:solidFill>
-                <a:latin typeface="+mn-lt"/>
-                <a:ea typeface="+mn-ea"/>
-                <a:cs typeface="+mn-cs"/>
-              </a:defRPr>
-            </a:lvl2pPr>
-            <a:lvl3pPr marL="685800" indent="0" algn="ctr" defTabSz="685800" rtl="0" eaLnBrk="1" latinLnBrk="0" hangingPunct="1">
-              <a:lnSpc>
-                <a:spcPct val="90000"/>
-              </a:lnSpc>
-              <a:spcBef>
-                <a:spcPts val="375"/>
-              </a:spcBef>
-              <a:buFont typeface="Arial" panose="020B0604020202020204" pitchFamily="34" charset="0"/>
-              <a:buNone/>
-              <a:defRPr sz="1350" kern="1200">
-                <a:solidFill>
-                  <a:schemeClr val="tx1"/>
-                </a:solidFill>
-                <a:latin typeface="+mn-lt"/>
-                <a:ea typeface="+mn-ea"/>
-                <a:cs typeface="+mn-cs"/>
-              </a:defRPr>
-            </a:lvl3pPr>
-            <a:lvl4pPr marL="1028700" indent="0" algn="ctr" defTabSz="685800" rtl="0" eaLnBrk="1" latinLnBrk="0" hangingPunct="1">
-              <a:lnSpc>
-                <a:spcPct val="90000"/>
-              </a:lnSpc>
-              <a:spcBef>
-                <a:spcPts val="375"/>
-              </a:spcBef>
-              <a:buFont typeface="Arial" panose="020B0604020202020204" pitchFamily="34" charset="0"/>
-              <a:buNone/>
-              <a:defRPr sz="1200" kern="1200">
-                <a:solidFill>
-                  <a:schemeClr val="tx1"/>
-                </a:solidFill>
-                <a:latin typeface="+mn-lt"/>
-                <a:ea typeface="+mn-ea"/>
-                <a:cs typeface="+mn-cs"/>
-              </a:defRPr>
-            </a:lvl4pPr>
-            <a:lvl5pPr marL="1371600" indent="0" algn="ctr" defTabSz="685800" rtl="0" eaLnBrk="1" latinLnBrk="0" hangingPunct="1">
-              <a:lnSpc>
-                <a:spcPct val="90000"/>
-              </a:lnSpc>
-              <a:spcBef>
-                <a:spcPts val="375"/>
-              </a:spcBef>
-              <a:buFont typeface="Arial" panose="020B0604020202020204" pitchFamily="34" charset="0"/>
-              <a:buNone/>
-              <a:defRPr sz="1200" kern="1200">
-                <a:solidFill>
-                  <a:schemeClr val="tx1"/>
-                </a:solidFill>
-                <a:latin typeface="+mn-lt"/>
-                <a:ea typeface="+mn-ea"/>
-                <a:cs typeface="+mn-cs"/>
-              </a:defRPr>
-            </a:lvl5pPr>
-            <a:lvl6pPr marL="1714500" indent="0" algn="ctr" defTabSz="685800" rtl="0" eaLnBrk="1" latinLnBrk="0" hangingPunct="1">
-              <a:lnSpc>
-                <a:spcPct val="90000"/>
-              </a:lnSpc>
-              <a:spcBef>
-                <a:spcPts val="375"/>
-              </a:spcBef>
-              <a:buFont typeface="Arial" panose="020B0604020202020204" pitchFamily="34" charset="0"/>
-              <a:buNone/>
-              <a:defRPr sz="1200" kern="1200">
-                <a:solidFill>
-                  <a:schemeClr val="tx1"/>
-                </a:solidFill>
-                <a:latin typeface="+mn-lt"/>
-                <a:ea typeface="+mn-ea"/>
-                <a:cs typeface="+mn-cs"/>
-              </a:defRPr>
-            </a:lvl6pPr>
-            <a:lvl7pPr marL="2057400" indent="0" algn="ctr" defTabSz="685800" rtl="0" eaLnBrk="1" latinLnBrk="0" hangingPunct="1">
-              <a:lnSpc>
-                <a:spcPct val="90000"/>
-              </a:lnSpc>
-              <a:spcBef>
-                <a:spcPts val="375"/>
-              </a:spcBef>
-              <a:buFont typeface="Arial" panose="020B0604020202020204" pitchFamily="34" charset="0"/>
-              <a:buNone/>
-              <a:defRPr sz="1200" kern="1200">
-                <a:solidFill>
-                  <a:schemeClr val="tx1"/>
-                </a:solidFill>
-                <a:latin typeface="+mn-lt"/>
-                <a:ea typeface="+mn-ea"/>
-                <a:cs typeface="+mn-cs"/>
-              </a:defRPr>
-            </a:lvl7pPr>
-            <a:lvl8pPr marL="2400300" indent="0" algn="ctr" defTabSz="685800" rtl="0" eaLnBrk="1" latinLnBrk="0" hangingPunct="1">
-              <a:lnSpc>
-                <a:spcPct val="90000"/>
-              </a:lnSpc>
-              <a:spcBef>
-                <a:spcPts val="375"/>
-              </a:spcBef>
-              <a:buFont typeface="Arial" panose="020B0604020202020204" pitchFamily="34" charset="0"/>
-              <a:buNone/>
-              <a:defRPr sz="1200" kern="1200">
-                <a:solidFill>
-                  <a:schemeClr val="tx1"/>
-                </a:solidFill>
-                <a:latin typeface="+mn-lt"/>
-                <a:ea typeface="+mn-ea"/>
-                <a:cs typeface="+mn-cs"/>
-              </a:defRPr>
-            </a:lvl8pPr>
-            <a:lvl9pPr marL="2743200" indent="0" algn="ctr" defTabSz="685800" rtl="0" eaLnBrk="1" latinLnBrk="0" hangingPunct="1">
-              <a:lnSpc>
-                <a:spcPct val="90000"/>
-              </a:lnSpc>
-              <a:spcBef>
-                <a:spcPts val="375"/>
-              </a:spcBef>
-              <a:buFont typeface="Arial" panose="020B0604020202020204" pitchFamily="34" charset="0"/>
-              <a:buNone/>
-              <a:defRPr sz="1200" kern="1200">
-                <a:solidFill>
-                  <a:schemeClr val="tx1"/>
-                </a:solidFill>
-                <a:latin typeface="+mn-lt"/>
-                <a:ea typeface="+mn-ea"/>
-                <a:cs typeface="+mn-cs"/>
-              </a:defRPr>
-            </a:lvl9pPr>
-          </a:lstStyle>
-          <a:p>
-            <a:pPr marL="296863" indent="-457200" algn="l">
-              <a:buFont typeface="Arial" panose="020B0604020202020204" pitchFamily="34" charset="0"/>
-              <a:buChar char="•"/>
-            </a:pPr>
-            <a:r>
-              <a:rPr lang="en-US" sz="2800" dirty="0">
-                <a:solidFill>
-                  <a:schemeClr val="tx1">
-                    <a:lumMod val="50000"/>
-                    <a:lumOff val="50000"/>
-                  </a:schemeClr>
-                </a:solidFill>
-                <a:latin typeface="Segoe UI Light" panose="020B0502040204020203" pitchFamily="34" charset="0"/>
-                <a:cs typeface="Segoe UI Light" panose="020B0502040204020203" pitchFamily="34" charset="0"/>
-              </a:rPr>
-              <a:t>Deadlock analysis</a:t>
-            </a:r>
-            <a:endParaRPr lang="en-US" sz="2800" dirty="0">
-              <a:latin typeface="Segoe UI Light" panose="020B0502040204020203" pitchFamily="34" charset="0"/>
-              <a:cs typeface="Segoe UI Light" panose="020B0502040204020203" pitchFamily="34" charset="0"/>
-            </a:endParaRPr>
-          </a:p>
-          <a:p>
-            <a:pPr marL="296863" indent="-457200" algn="l">
-              <a:buFont typeface="Arial" panose="020B0604020202020204" pitchFamily="34" charset="0"/>
-              <a:buChar char="•"/>
-            </a:pPr>
-            <a:endParaRPr lang="en-US" sz="2800" dirty="0">
-              <a:solidFill>
-                <a:schemeClr val="tx1">
-                  <a:lumMod val="50000"/>
-                  <a:lumOff val="50000"/>
-                </a:schemeClr>
-              </a:solidFill>
-              <a:latin typeface="Segoe UI Light" panose="020B0502040204020203" pitchFamily="34" charset="0"/>
-              <a:cs typeface="Segoe UI Light" panose="020B0502040204020203" pitchFamily="34" charset="0"/>
-            </a:endParaRPr>
-          </a:p>
-          <a:p>
-            <a:pPr marL="296863" indent="-457200" algn="l">
-              <a:buFont typeface="Arial" panose="020B0604020202020204" pitchFamily="34" charset="0"/>
-              <a:buChar char="•"/>
-            </a:pPr>
-            <a:r>
-              <a:rPr lang="en-US" sz="2800" dirty="0" err="1">
-                <a:solidFill>
-                  <a:schemeClr val="tx1">
-                    <a:lumMod val="50000"/>
-                    <a:lumOff val="50000"/>
-                  </a:schemeClr>
-                </a:solidFill>
-                <a:latin typeface="Segoe UI Light" panose="020B0502040204020203" pitchFamily="34" charset="0"/>
-                <a:cs typeface="Segoe UI Light" panose="020B0502040204020203" pitchFamily="34" charset="0"/>
-              </a:rPr>
-              <a:t>Decompiler</a:t>
-            </a:r>
-            <a:endParaRPr lang="en-US" sz="2800" dirty="0">
-              <a:solidFill>
-                <a:schemeClr val="tx1">
-                  <a:lumMod val="50000"/>
-                  <a:lumOff val="50000"/>
-                </a:schemeClr>
-              </a:solidFill>
-              <a:latin typeface="Segoe UI Light" panose="020B0502040204020203" pitchFamily="34" charset="0"/>
-              <a:cs typeface="Segoe UI Light" panose="020B0502040204020203" pitchFamily="34" charset="0"/>
-            </a:endParaRPr>
-          </a:p>
-          <a:p>
-            <a:pPr marL="296863" indent="-457200" algn="l">
-              <a:buFont typeface="Arial" panose="020B0604020202020204" pitchFamily="34" charset="0"/>
-              <a:buChar char="•"/>
-            </a:pPr>
-            <a:endParaRPr lang="en-US" sz="2800" dirty="0">
-              <a:solidFill>
-                <a:schemeClr val="tx1">
-                  <a:lumMod val="50000"/>
-                  <a:lumOff val="50000"/>
-                </a:schemeClr>
-              </a:solidFill>
-              <a:latin typeface="Segoe UI Light" panose="020B0502040204020203" pitchFamily="34" charset="0"/>
-              <a:cs typeface="Segoe UI Light" panose="020B0502040204020203" pitchFamily="34" charset="0"/>
-            </a:endParaRPr>
-          </a:p>
-          <a:p>
-            <a:pPr marL="296863" indent="-457200" algn="l">
-              <a:buFont typeface="Arial" panose="020B0604020202020204" pitchFamily="34" charset="0"/>
-              <a:buChar char="•"/>
-            </a:pPr>
-            <a:r>
-              <a:rPr lang="en-US" sz="2800" dirty="0">
-                <a:latin typeface="Segoe UI Light" panose="020B0502040204020203" pitchFamily="34" charset="0"/>
-                <a:cs typeface="Segoe UI Light" panose="020B0502040204020203" pitchFamily="34" charset="0"/>
-              </a:rPr>
-              <a:t>Simulator</a:t>
-            </a:r>
-            <a:endParaRPr lang="en-US" sz="2800" dirty="0">
-              <a:solidFill>
-                <a:schemeClr val="tx1">
-                  <a:lumMod val="50000"/>
-                  <a:lumOff val="50000"/>
-                </a:schemeClr>
-              </a:solidFill>
-              <a:latin typeface="Segoe UI Light" panose="020B0502040204020203" pitchFamily="34" charset="0"/>
-              <a:cs typeface="Segoe UI Light" panose="020B0502040204020203" pitchFamily="34" charset="0"/>
-            </a:endParaRPr>
-          </a:p>
-        </p:txBody>
-      </p:sp>
-      <p:pic>
-        <p:nvPicPr>
-          <p:cNvPr id="3" name="Grafik 2">
-            <a:extLst>
-              <a:ext uri="{FF2B5EF4-FFF2-40B4-BE49-F238E27FC236}">
-                <a16:creationId xmlns:a16="http://schemas.microsoft.com/office/drawing/2014/main" id="{FCF63D61-2505-7FA1-5A03-6053BB15DCC7}"/>
-              </a:ext>
-            </a:extLst>
-          </p:cNvPr>
-          <p:cNvPicPr>
-            <a:picLocks noChangeAspect="1"/>
-          </p:cNvPicPr>
-          <p:nvPr/>
-        </p:nvPicPr>
-        <p:blipFill>
-          <a:blip r:embed="rId3"/>
-          <a:stretch>
-            <a:fillRect/>
-          </a:stretch>
-        </p:blipFill>
-        <p:spPr>
-          <a:xfrm>
-            <a:off x="5680363" y="2381596"/>
-            <a:ext cx="5894903" cy="3429000"/>
-          </a:xfrm>
-          <a:prstGeom prst="rect">
-            <a:avLst/>
-          </a:prstGeom>
-        </p:spPr>
-      </p:pic>
-      <p:sp>
-        <p:nvSpPr>
-          <p:cNvPr id="5" name="Textplatzhalter 4">
-            <a:extLst>
-              <a:ext uri="{FF2B5EF4-FFF2-40B4-BE49-F238E27FC236}">
-                <a16:creationId xmlns:a16="http://schemas.microsoft.com/office/drawing/2014/main" id="{99833E31-EF9B-1A21-E289-7F3623AA827E}"/>
-              </a:ext>
-            </a:extLst>
-          </p:cNvPr>
-          <p:cNvSpPr txBox="1">
-            <a:spLocks/>
-          </p:cNvSpPr>
-          <p:nvPr/>
-        </p:nvSpPr>
-        <p:spPr>
-          <a:xfrm>
-            <a:off x="-1" y="6378575"/>
-            <a:ext cx="838201" cy="498475"/>
-          </a:xfrm>
-          <a:prstGeom prst="rect">
-            <a:avLst/>
-          </a:prstGeom>
-        </p:spPr>
-        <p:txBody>
-          <a:bodyPr vert="horz" lIns="91440" tIns="45720" rIns="91440" bIns="45720" rtlCol="0">
-            <a:normAutofit/>
-          </a:bodyPr>
-          <a:lstStyle>
-            <a:lvl1pPr marL="0" indent="0" algn="ctr" defTabSz="685800" rtl="0" eaLnBrk="1" latinLnBrk="0" hangingPunct="1">
-              <a:lnSpc>
-                <a:spcPct val="90000"/>
-              </a:lnSpc>
-              <a:spcBef>
-                <a:spcPts val="750"/>
-              </a:spcBef>
-              <a:buFont typeface="Arial" panose="020B0604020202020204" pitchFamily="34" charset="0"/>
-              <a:buNone/>
-              <a:defRPr sz="1800" kern="1200">
-                <a:solidFill>
-                  <a:schemeClr val="tx1"/>
-                </a:solidFill>
-                <a:latin typeface="+mn-lt"/>
-                <a:ea typeface="+mn-ea"/>
-                <a:cs typeface="+mn-cs"/>
-              </a:defRPr>
-            </a:lvl1pPr>
-            <a:lvl2pPr marL="342900" indent="0" algn="ctr" defTabSz="685800" rtl="0" eaLnBrk="1" latinLnBrk="0" hangingPunct="1">
-              <a:lnSpc>
-                <a:spcPct val="90000"/>
-              </a:lnSpc>
-              <a:spcBef>
-                <a:spcPts val="375"/>
-              </a:spcBef>
-              <a:buFont typeface="Arial" panose="020B0604020202020204" pitchFamily="34" charset="0"/>
-              <a:buNone/>
-              <a:defRPr sz="1500" kern="1200">
-                <a:solidFill>
-                  <a:schemeClr val="tx1"/>
-                </a:solidFill>
-                <a:latin typeface="+mn-lt"/>
-                <a:ea typeface="+mn-ea"/>
-                <a:cs typeface="+mn-cs"/>
-              </a:defRPr>
-            </a:lvl2pPr>
-            <a:lvl3pPr marL="685800" indent="0" algn="ctr" defTabSz="685800" rtl="0" eaLnBrk="1" latinLnBrk="0" hangingPunct="1">
-              <a:lnSpc>
-                <a:spcPct val="90000"/>
-              </a:lnSpc>
-              <a:spcBef>
-                <a:spcPts val="375"/>
-              </a:spcBef>
-              <a:buFont typeface="Arial" panose="020B0604020202020204" pitchFamily="34" charset="0"/>
-              <a:buNone/>
-              <a:defRPr sz="1350" kern="1200">
-                <a:solidFill>
-                  <a:schemeClr val="tx1"/>
-                </a:solidFill>
-                <a:latin typeface="+mn-lt"/>
-                <a:ea typeface="+mn-ea"/>
-                <a:cs typeface="+mn-cs"/>
-              </a:defRPr>
-            </a:lvl3pPr>
-            <a:lvl4pPr marL="1028700" indent="0" algn="ctr" defTabSz="685800" rtl="0" eaLnBrk="1" latinLnBrk="0" hangingPunct="1">
-              <a:lnSpc>
-                <a:spcPct val="90000"/>
-              </a:lnSpc>
-              <a:spcBef>
-                <a:spcPts val="375"/>
-              </a:spcBef>
-              <a:buFont typeface="Arial" panose="020B0604020202020204" pitchFamily="34" charset="0"/>
-              <a:buNone/>
-              <a:defRPr sz="1200" kern="1200">
-                <a:solidFill>
-                  <a:schemeClr val="tx1"/>
-                </a:solidFill>
-                <a:latin typeface="+mn-lt"/>
-                <a:ea typeface="+mn-ea"/>
-                <a:cs typeface="+mn-cs"/>
-              </a:defRPr>
-            </a:lvl4pPr>
-            <a:lvl5pPr marL="1371600" indent="0" algn="ctr" defTabSz="685800" rtl="0" eaLnBrk="1" latinLnBrk="0" hangingPunct="1">
-              <a:lnSpc>
-                <a:spcPct val="90000"/>
-              </a:lnSpc>
-              <a:spcBef>
-                <a:spcPts val="375"/>
-              </a:spcBef>
-              <a:buFont typeface="Arial" panose="020B0604020202020204" pitchFamily="34" charset="0"/>
-              <a:buNone/>
-              <a:defRPr sz="1200" kern="1200">
-                <a:solidFill>
-                  <a:schemeClr val="tx1"/>
-                </a:solidFill>
-                <a:latin typeface="+mn-lt"/>
-                <a:ea typeface="+mn-ea"/>
-                <a:cs typeface="+mn-cs"/>
-              </a:defRPr>
-            </a:lvl5pPr>
-            <a:lvl6pPr marL="1714500" indent="0" algn="ctr" defTabSz="685800" rtl="0" eaLnBrk="1" latinLnBrk="0" hangingPunct="1">
-              <a:lnSpc>
-                <a:spcPct val="90000"/>
-              </a:lnSpc>
-              <a:spcBef>
-                <a:spcPts val="375"/>
-              </a:spcBef>
-              <a:buFont typeface="Arial" panose="020B0604020202020204" pitchFamily="34" charset="0"/>
-              <a:buNone/>
-              <a:defRPr sz="1200" kern="1200">
-                <a:solidFill>
-                  <a:schemeClr val="tx1"/>
-                </a:solidFill>
-                <a:latin typeface="+mn-lt"/>
-                <a:ea typeface="+mn-ea"/>
-                <a:cs typeface="+mn-cs"/>
-              </a:defRPr>
-            </a:lvl6pPr>
-            <a:lvl7pPr marL="2057400" indent="0" algn="ctr" defTabSz="685800" rtl="0" eaLnBrk="1" latinLnBrk="0" hangingPunct="1">
-              <a:lnSpc>
-                <a:spcPct val="90000"/>
-              </a:lnSpc>
-              <a:spcBef>
-                <a:spcPts val="375"/>
-              </a:spcBef>
-              <a:buFont typeface="Arial" panose="020B0604020202020204" pitchFamily="34" charset="0"/>
-              <a:buNone/>
-              <a:defRPr sz="1200" kern="1200">
-                <a:solidFill>
-                  <a:schemeClr val="tx1"/>
-                </a:solidFill>
-                <a:latin typeface="+mn-lt"/>
-                <a:ea typeface="+mn-ea"/>
-                <a:cs typeface="+mn-cs"/>
-              </a:defRPr>
-            </a:lvl7pPr>
-            <a:lvl8pPr marL="2400300" indent="0" algn="ctr" defTabSz="685800" rtl="0" eaLnBrk="1" latinLnBrk="0" hangingPunct="1">
-              <a:lnSpc>
-                <a:spcPct val="90000"/>
-              </a:lnSpc>
-              <a:spcBef>
-                <a:spcPts val="375"/>
-              </a:spcBef>
-              <a:buFont typeface="Arial" panose="020B0604020202020204" pitchFamily="34" charset="0"/>
-              <a:buNone/>
-              <a:defRPr sz="1200" kern="1200">
-                <a:solidFill>
-                  <a:schemeClr val="tx1"/>
-                </a:solidFill>
-                <a:latin typeface="+mn-lt"/>
-                <a:ea typeface="+mn-ea"/>
-                <a:cs typeface="+mn-cs"/>
-              </a:defRPr>
-            </a:lvl8pPr>
-            <a:lvl9pPr marL="2743200" indent="0" algn="ctr" defTabSz="685800" rtl="0" eaLnBrk="1" latinLnBrk="0" hangingPunct="1">
-              <a:lnSpc>
-                <a:spcPct val="90000"/>
-              </a:lnSpc>
-              <a:spcBef>
-                <a:spcPts val="375"/>
-              </a:spcBef>
-              <a:buFont typeface="Arial" panose="020B0604020202020204" pitchFamily="34" charset="0"/>
-              <a:buNone/>
-              <a:defRPr sz="1200" kern="1200">
-                <a:solidFill>
-                  <a:schemeClr val="tx1"/>
-                </a:solidFill>
-                <a:latin typeface="+mn-lt"/>
-                <a:ea typeface="+mn-ea"/>
-                <a:cs typeface="+mn-cs"/>
-              </a:defRPr>
-            </a:lvl9pPr>
-          </a:lstStyle>
-          <a:p>
-            <a:pPr algn="r"/>
-            <a:r>
-              <a:rPr lang="de-DE" dirty="0">
-                <a:latin typeface="Segoe UI Light" panose="020B0502040204020203" pitchFamily="34" charset="0"/>
-                <a:cs typeface="Segoe UI Light" panose="020B0502040204020203" pitchFamily="34" charset="0"/>
-              </a:rPr>
-              <a:t>6</a:t>
-            </a:r>
-            <a:endParaRPr lang="en-US" dirty="0">
-              <a:latin typeface="Segoe UI Light" panose="020B0502040204020203" pitchFamily="34" charset="0"/>
-              <a:cs typeface="Segoe UI Light" panose="020B0502040204020203" pitchFamily="34" charset="0"/>
-            </a:endParaRPr>
-          </a:p>
-        </p:txBody>
-      </p:sp>
-    </p:spTree>
-    <p:extLst>
-      <p:ext uri="{BB962C8B-B14F-4D97-AF65-F5344CB8AC3E}">
-        <p14:creationId xmlns:p14="http://schemas.microsoft.com/office/powerpoint/2010/main" val="3608824672"/>
       </p:ext>
     </p:extLst>
   </p:cSld>

--- a/VerticalIntegrationInCyberPysicalSystems.pptx
+++ b/VerticalIntegrationInCyberPysicalSystems.pptx
@@ -1619,115 +1619,6 @@
     </pc:docChg>
   </pc:docChgLst>
   <pc:docChgLst>
-    <pc:chgData name="Silvan Castor" userId="13356139-3a6b-4dbe-9ed4-50cba7767b62" providerId="ADAL" clId="{AFB46D9D-3905-49FE-B7FA-58267681EBE7}"/>
-    <pc:docChg chg="undo custSel modSld">
-      <pc:chgData name="Silvan Castor" userId="13356139-3a6b-4dbe-9ed4-50cba7767b62" providerId="ADAL" clId="{AFB46D9D-3905-49FE-B7FA-58267681EBE7}" dt="2023-04-12T21:27:28.933" v="284" actId="20577"/>
-      <pc:docMkLst>
-        <pc:docMk/>
-      </pc:docMkLst>
-      <pc:sldChg chg="modSp">
-        <pc:chgData name="Silvan Castor" userId="13356139-3a6b-4dbe-9ed4-50cba7767b62" providerId="ADAL" clId="{AFB46D9D-3905-49FE-B7FA-58267681EBE7}" dt="2023-04-12T21:27:28.933" v="284" actId="20577"/>
-        <pc:sldMkLst>
-          <pc:docMk/>
-          <pc:sldMk cId="957003818" sldId="353"/>
-        </pc:sldMkLst>
-        <pc:spChg chg="mod">
-          <ac:chgData name="Silvan Castor" userId="13356139-3a6b-4dbe-9ed4-50cba7767b62" providerId="ADAL" clId="{AFB46D9D-3905-49FE-B7FA-58267681EBE7}" dt="2023-04-12T21:27:28.933" v="284" actId="20577"/>
-          <ac:spMkLst>
-            <pc:docMk/>
-            <pc:sldMk cId="957003818" sldId="353"/>
-            <ac:spMk id="5" creationId="{83596032-A999-04DF-E76C-9CCC70855CDF}"/>
-          </ac:spMkLst>
-        </pc:spChg>
-      </pc:sldChg>
-      <pc:sldChg chg="modSp mod">
-        <pc:chgData name="Silvan Castor" userId="13356139-3a6b-4dbe-9ed4-50cba7767b62" providerId="ADAL" clId="{AFB46D9D-3905-49FE-B7FA-58267681EBE7}" dt="2023-04-10T09:43:36.467" v="142" actId="14100"/>
-        <pc:sldMkLst>
-          <pc:docMk/>
-          <pc:sldMk cId="1355612990" sldId="384"/>
-        </pc:sldMkLst>
-        <pc:spChg chg="mod">
-          <ac:chgData name="Silvan Castor" userId="13356139-3a6b-4dbe-9ed4-50cba7767b62" providerId="ADAL" clId="{AFB46D9D-3905-49FE-B7FA-58267681EBE7}" dt="2023-04-10T09:43:36.467" v="142" actId="14100"/>
-          <ac:spMkLst>
-            <pc:docMk/>
-            <pc:sldMk cId="1355612990" sldId="384"/>
-            <ac:spMk id="5" creationId="{83596032-A999-04DF-E76C-9CCC70855CDF}"/>
-          </ac:spMkLst>
-        </pc:spChg>
-      </pc:sldChg>
-      <pc:sldChg chg="modSp mod">
-        <pc:chgData name="Silvan Castor" userId="13356139-3a6b-4dbe-9ed4-50cba7767b62" providerId="ADAL" clId="{AFB46D9D-3905-49FE-B7FA-58267681EBE7}" dt="2023-04-10T09:36:57.346" v="0" actId="20577"/>
-        <pc:sldMkLst>
-          <pc:docMk/>
-          <pc:sldMk cId="1983008318" sldId="385"/>
-        </pc:sldMkLst>
-        <pc:spChg chg="mod">
-          <ac:chgData name="Silvan Castor" userId="13356139-3a6b-4dbe-9ed4-50cba7767b62" providerId="ADAL" clId="{AFB46D9D-3905-49FE-B7FA-58267681EBE7}" dt="2023-04-10T09:36:57.346" v="0" actId="20577"/>
-          <ac:spMkLst>
-            <pc:docMk/>
-            <pc:sldMk cId="1983008318" sldId="385"/>
-            <ac:spMk id="2" creationId="{A545141C-F14B-31AA-7340-A9B78A44E0E9}"/>
-          </ac:spMkLst>
-        </pc:spChg>
-      </pc:sldChg>
-      <pc:sldChg chg="addSp delSp modSp mod">
-        <pc:chgData name="Silvan Castor" userId="13356139-3a6b-4dbe-9ed4-50cba7767b62" providerId="ADAL" clId="{AFB46D9D-3905-49FE-B7FA-58267681EBE7}" dt="2023-04-10T10:20:10.337" v="283" actId="1035"/>
-        <pc:sldMkLst>
-          <pc:docMk/>
-          <pc:sldMk cId="2655675191" sldId="386"/>
-        </pc:sldMkLst>
-        <pc:spChg chg="mod">
-          <ac:chgData name="Silvan Castor" userId="13356139-3a6b-4dbe-9ed4-50cba7767b62" providerId="ADAL" clId="{AFB46D9D-3905-49FE-B7FA-58267681EBE7}" dt="2023-04-10T09:37:51.080" v="70" actId="20577"/>
-          <ac:spMkLst>
-            <pc:docMk/>
-            <pc:sldMk cId="2655675191" sldId="386"/>
-            <ac:spMk id="2" creationId="{A545141C-F14B-31AA-7340-A9B78A44E0E9}"/>
-          </ac:spMkLst>
-        </pc:spChg>
-        <pc:spChg chg="mod">
-          <ac:chgData name="Silvan Castor" userId="13356139-3a6b-4dbe-9ed4-50cba7767b62" providerId="ADAL" clId="{AFB46D9D-3905-49FE-B7FA-58267681EBE7}" dt="2023-04-10T10:19:20.469" v="265" actId="20577"/>
-          <ac:spMkLst>
-            <pc:docMk/>
-            <pc:sldMk cId="2655675191" sldId="386"/>
-            <ac:spMk id="5" creationId="{83596032-A999-04DF-E76C-9CCC70855CDF}"/>
-          </ac:spMkLst>
-        </pc:spChg>
-        <pc:spChg chg="add mod">
-          <ac:chgData name="Silvan Castor" userId="13356139-3a6b-4dbe-9ed4-50cba7767b62" providerId="ADAL" clId="{AFB46D9D-3905-49FE-B7FA-58267681EBE7}" dt="2023-04-10T10:20:05.746" v="279" actId="14100"/>
-          <ac:spMkLst>
-            <pc:docMk/>
-            <pc:sldMk cId="2655675191" sldId="386"/>
-            <ac:spMk id="14" creationId="{2A7FB6E1-CB1A-CD13-E0A0-D281E5FCC5A7}"/>
-          </ac:spMkLst>
-        </pc:spChg>
-        <pc:picChg chg="add del mod modCrop">
-          <ac:chgData name="Silvan Castor" userId="13356139-3a6b-4dbe-9ed4-50cba7767b62" providerId="ADAL" clId="{AFB46D9D-3905-49FE-B7FA-58267681EBE7}" dt="2023-04-10T10:16:28.223" v="180" actId="478"/>
-          <ac:picMkLst>
-            <pc:docMk/>
-            <pc:sldMk cId="2655675191" sldId="386"/>
-            <ac:picMk id="9" creationId="{5CD600C3-E1FD-0411-662A-5C4BEC74B0F7}"/>
-          </ac:picMkLst>
-        </pc:picChg>
-        <pc:picChg chg="add del mod modCrop">
-          <ac:chgData name="Silvan Castor" userId="13356139-3a6b-4dbe-9ed4-50cba7767b62" providerId="ADAL" clId="{AFB46D9D-3905-49FE-B7FA-58267681EBE7}" dt="2023-04-10T10:18:06.908" v="196" actId="478"/>
-          <ac:picMkLst>
-            <pc:docMk/>
-            <pc:sldMk cId="2655675191" sldId="386"/>
-            <ac:picMk id="11" creationId="{E860C357-D571-1401-9BA2-F538B7A598DD}"/>
-          </ac:picMkLst>
-        </pc:picChg>
-        <pc:picChg chg="add mod modCrop">
-          <ac:chgData name="Silvan Castor" userId="13356139-3a6b-4dbe-9ed4-50cba7767b62" providerId="ADAL" clId="{AFB46D9D-3905-49FE-B7FA-58267681EBE7}" dt="2023-04-10T10:20:10.337" v="283" actId="1035"/>
-          <ac:picMkLst>
-            <pc:docMk/>
-            <pc:sldMk cId="2655675191" sldId="386"/>
-            <ac:picMk id="13" creationId="{E4FBB60E-C6B2-0829-2DB2-652C1162E3F1}"/>
-          </ac:picMkLst>
-        </pc:picChg>
-      </pc:sldChg>
-    </pc:docChg>
-  </pc:docChgLst>
-  <pc:docChgLst>
     <pc:chgData name="Michael Roth" userId="0522d19e-d6cf-4f3f-a48a-30e2a66810ab" providerId="ADAL" clId="{B61972A0-2728-42CF-891D-67B64D05E7FC}"/>
     <pc:docChg chg="undo redo custSel addSld delSld modSld sldOrd modMainMaster">
       <pc:chgData name="Michael Roth" userId="0522d19e-d6cf-4f3f-a48a-30e2a66810ab" providerId="ADAL" clId="{B61972A0-2728-42CF-891D-67B64D05E7FC}" dt="2023-11-19T22:19:17.744" v="13678" actId="14100"/>
@@ -3091,6 +2982,115 @@
           </pc:spChg>
         </pc:sldLayoutChg>
       </pc:sldMasterChg>
+    </pc:docChg>
+  </pc:docChgLst>
+  <pc:docChgLst>
+    <pc:chgData name="Silvan Castor" userId="13356139-3a6b-4dbe-9ed4-50cba7767b62" providerId="ADAL" clId="{AFB46D9D-3905-49FE-B7FA-58267681EBE7}"/>
+    <pc:docChg chg="undo custSel modSld">
+      <pc:chgData name="Silvan Castor" userId="13356139-3a6b-4dbe-9ed4-50cba7767b62" providerId="ADAL" clId="{AFB46D9D-3905-49FE-B7FA-58267681EBE7}" dt="2023-04-12T21:27:28.933" v="284" actId="20577"/>
+      <pc:docMkLst>
+        <pc:docMk/>
+      </pc:docMkLst>
+      <pc:sldChg chg="modSp">
+        <pc:chgData name="Silvan Castor" userId="13356139-3a6b-4dbe-9ed4-50cba7767b62" providerId="ADAL" clId="{AFB46D9D-3905-49FE-B7FA-58267681EBE7}" dt="2023-04-12T21:27:28.933" v="284" actId="20577"/>
+        <pc:sldMkLst>
+          <pc:docMk/>
+          <pc:sldMk cId="957003818" sldId="353"/>
+        </pc:sldMkLst>
+        <pc:spChg chg="mod">
+          <ac:chgData name="Silvan Castor" userId="13356139-3a6b-4dbe-9ed4-50cba7767b62" providerId="ADAL" clId="{AFB46D9D-3905-49FE-B7FA-58267681EBE7}" dt="2023-04-12T21:27:28.933" v="284" actId="20577"/>
+          <ac:spMkLst>
+            <pc:docMk/>
+            <pc:sldMk cId="957003818" sldId="353"/>
+            <ac:spMk id="5" creationId="{83596032-A999-04DF-E76C-9CCC70855CDF}"/>
+          </ac:spMkLst>
+        </pc:spChg>
+      </pc:sldChg>
+      <pc:sldChg chg="modSp mod">
+        <pc:chgData name="Silvan Castor" userId="13356139-3a6b-4dbe-9ed4-50cba7767b62" providerId="ADAL" clId="{AFB46D9D-3905-49FE-B7FA-58267681EBE7}" dt="2023-04-10T09:43:36.467" v="142" actId="14100"/>
+        <pc:sldMkLst>
+          <pc:docMk/>
+          <pc:sldMk cId="1355612990" sldId="384"/>
+        </pc:sldMkLst>
+        <pc:spChg chg="mod">
+          <ac:chgData name="Silvan Castor" userId="13356139-3a6b-4dbe-9ed4-50cba7767b62" providerId="ADAL" clId="{AFB46D9D-3905-49FE-B7FA-58267681EBE7}" dt="2023-04-10T09:43:36.467" v="142" actId="14100"/>
+          <ac:spMkLst>
+            <pc:docMk/>
+            <pc:sldMk cId="1355612990" sldId="384"/>
+            <ac:spMk id="5" creationId="{83596032-A999-04DF-E76C-9CCC70855CDF}"/>
+          </ac:spMkLst>
+        </pc:spChg>
+      </pc:sldChg>
+      <pc:sldChg chg="modSp mod">
+        <pc:chgData name="Silvan Castor" userId="13356139-3a6b-4dbe-9ed4-50cba7767b62" providerId="ADAL" clId="{AFB46D9D-3905-49FE-B7FA-58267681EBE7}" dt="2023-04-10T09:36:57.346" v="0" actId="20577"/>
+        <pc:sldMkLst>
+          <pc:docMk/>
+          <pc:sldMk cId="1983008318" sldId="385"/>
+        </pc:sldMkLst>
+        <pc:spChg chg="mod">
+          <ac:chgData name="Silvan Castor" userId="13356139-3a6b-4dbe-9ed4-50cba7767b62" providerId="ADAL" clId="{AFB46D9D-3905-49FE-B7FA-58267681EBE7}" dt="2023-04-10T09:36:57.346" v="0" actId="20577"/>
+          <ac:spMkLst>
+            <pc:docMk/>
+            <pc:sldMk cId="1983008318" sldId="385"/>
+            <ac:spMk id="2" creationId="{A545141C-F14B-31AA-7340-A9B78A44E0E9}"/>
+          </ac:spMkLst>
+        </pc:spChg>
+      </pc:sldChg>
+      <pc:sldChg chg="addSp delSp modSp mod">
+        <pc:chgData name="Silvan Castor" userId="13356139-3a6b-4dbe-9ed4-50cba7767b62" providerId="ADAL" clId="{AFB46D9D-3905-49FE-B7FA-58267681EBE7}" dt="2023-04-10T10:20:10.337" v="283" actId="1035"/>
+        <pc:sldMkLst>
+          <pc:docMk/>
+          <pc:sldMk cId="2655675191" sldId="386"/>
+        </pc:sldMkLst>
+        <pc:spChg chg="mod">
+          <ac:chgData name="Silvan Castor" userId="13356139-3a6b-4dbe-9ed4-50cba7767b62" providerId="ADAL" clId="{AFB46D9D-3905-49FE-B7FA-58267681EBE7}" dt="2023-04-10T09:37:51.080" v="70" actId="20577"/>
+          <ac:spMkLst>
+            <pc:docMk/>
+            <pc:sldMk cId="2655675191" sldId="386"/>
+            <ac:spMk id="2" creationId="{A545141C-F14B-31AA-7340-A9B78A44E0E9}"/>
+          </ac:spMkLst>
+        </pc:spChg>
+        <pc:spChg chg="mod">
+          <ac:chgData name="Silvan Castor" userId="13356139-3a6b-4dbe-9ed4-50cba7767b62" providerId="ADAL" clId="{AFB46D9D-3905-49FE-B7FA-58267681EBE7}" dt="2023-04-10T10:19:20.469" v="265" actId="20577"/>
+          <ac:spMkLst>
+            <pc:docMk/>
+            <pc:sldMk cId="2655675191" sldId="386"/>
+            <ac:spMk id="5" creationId="{83596032-A999-04DF-E76C-9CCC70855CDF}"/>
+          </ac:spMkLst>
+        </pc:spChg>
+        <pc:spChg chg="add mod">
+          <ac:chgData name="Silvan Castor" userId="13356139-3a6b-4dbe-9ed4-50cba7767b62" providerId="ADAL" clId="{AFB46D9D-3905-49FE-B7FA-58267681EBE7}" dt="2023-04-10T10:20:05.746" v="279" actId="14100"/>
+          <ac:spMkLst>
+            <pc:docMk/>
+            <pc:sldMk cId="2655675191" sldId="386"/>
+            <ac:spMk id="14" creationId="{2A7FB6E1-CB1A-CD13-E0A0-D281E5FCC5A7}"/>
+          </ac:spMkLst>
+        </pc:spChg>
+        <pc:picChg chg="add del mod modCrop">
+          <ac:chgData name="Silvan Castor" userId="13356139-3a6b-4dbe-9ed4-50cba7767b62" providerId="ADAL" clId="{AFB46D9D-3905-49FE-B7FA-58267681EBE7}" dt="2023-04-10T10:16:28.223" v="180" actId="478"/>
+          <ac:picMkLst>
+            <pc:docMk/>
+            <pc:sldMk cId="2655675191" sldId="386"/>
+            <ac:picMk id="9" creationId="{5CD600C3-E1FD-0411-662A-5C4BEC74B0F7}"/>
+          </ac:picMkLst>
+        </pc:picChg>
+        <pc:picChg chg="add del mod modCrop">
+          <ac:chgData name="Silvan Castor" userId="13356139-3a6b-4dbe-9ed4-50cba7767b62" providerId="ADAL" clId="{AFB46D9D-3905-49FE-B7FA-58267681EBE7}" dt="2023-04-10T10:18:06.908" v="196" actId="478"/>
+          <ac:picMkLst>
+            <pc:docMk/>
+            <pc:sldMk cId="2655675191" sldId="386"/>
+            <ac:picMk id="11" creationId="{E860C357-D571-1401-9BA2-F538B7A598DD}"/>
+          </ac:picMkLst>
+        </pc:picChg>
+        <pc:picChg chg="add mod modCrop">
+          <ac:chgData name="Silvan Castor" userId="13356139-3a6b-4dbe-9ed4-50cba7767b62" providerId="ADAL" clId="{AFB46D9D-3905-49FE-B7FA-58267681EBE7}" dt="2023-04-10T10:20:10.337" v="283" actId="1035"/>
+          <ac:picMkLst>
+            <pc:docMk/>
+            <pc:sldMk cId="2655675191" sldId="386"/>
+            <ac:picMk id="13" creationId="{E4FBB60E-C6B2-0829-2DB2-652C1162E3F1}"/>
+          </ac:picMkLst>
+        </pc:picChg>
+      </pc:sldChg>
     </pc:docChg>
   </pc:docChgLst>
   <pc:docChgLst>
@@ -21593,7 +21593,7 @@
             <a:fld id="{B61BEF0D-F0BB-DE4B-95CE-6DB70DBA9567}" type="datetimeFigureOut">
               <a:rPr lang="en-US" smtClean="0"/>
               <a:pPr/>
-              <a:t>11/25/2023</a:t>
+              <a:t>11/27/2023</a:t>
             </a:fld>
             <a:endParaRPr lang="en-US" dirty="0"/>
           </a:p>
@@ -21820,7 +21820,7 @@
             <a:fld id="{B61BEF0D-F0BB-DE4B-95CE-6DB70DBA9567}" type="datetimeFigureOut">
               <a:rPr lang="en-US" smtClean="0"/>
               <a:pPr/>
-              <a:t>11/25/2023</a:t>
+              <a:t>11/27/2023</a:t>
             </a:fld>
             <a:endParaRPr lang="en-US" dirty="0"/>
           </a:p>
@@ -22347,7 +22347,7 @@
             <a:fld id="{B61BEF0D-F0BB-DE4B-95CE-6DB70DBA9567}" type="datetimeFigureOut">
               <a:rPr lang="en-US" smtClean="0"/>
               <a:pPr/>
-              <a:t>11/25/2023</a:t>
+              <a:t>11/27/2023</a:t>
             </a:fld>
             <a:endParaRPr lang="en-US" dirty="0"/>
           </a:p>
@@ -22536,7 +22536,7 @@
             <a:fld id="{B61BEF0D-F0BB-DE4B-95CE-6DB70DBA9567}" type="datetimeFigureOut">
               <a:rPr lang="en-US" smtClean="0"/>
               <a:pPr/>
-              <a:t>11/25/2023</a:t>
+              <a:t>11/27/2023</a:t>
             </a:fld>
             <a:endParaRPr lang="en-US" dirty="0"/>
           </a:p>
@@ -22820,7 +22820,7 @@
             <a:fld id="{B61BEF0D-F0BB-DE4B-95CE-6DB70DBA9567}" type="datetimeFigureOut">
               <a:rPr lang="en-US" smtClean="0"/>
               <a:pPr/>
-              <a:t>11/25/2023</a:t>
+              <a:t>11/27/2023</a:t>
             </a:fld>
             <a:endParaRPr lang="en-US" dirty="0"/>
           </a:p>
@@ -23251,7 +23251,7 @@
             <a:fld id="{B61BEF0D-F0BB-DE4B-95CE-6DB70DBA9567}" type="datetimeFigureOut">
               <a:rPr lang="en-US" smtClean="0"/>
               <a:pPr/>
-              <a:t>11/25/2023</a:t>
+              <a:t>11/27/2023</a:t>
             </a:fld>
             <a:endParaRPr lang="en-US" dirty="0"/>
           </a:p>
@@ -23411,7 +23411,7 @@
             <a:fld id="{B61BEF0D-F0BB-DE4B-95CE-6DB70DBA9567}" type="datetimeFigureOut">
               <a:rPr lang="en-US" smtClean="0"/>
               <a:pPr/>
-              <a:t>11/25/2023</a:t>
+              <a:t>11/27/2023</a:t>
             </a:fld>
             <a:endParaRPr lang="en-US" dirty="0"/>
           </a:p>
@@ -23807,7 +23807,7 @@
             <a:fld id="{B61BEF0D-F0BB-DE4B-95CE-6DB70DBA9567}" type="datetimeFigureOut">
               <a:rPr lang="en-US" smtClean="0"/>
               <a:pPr/>
-              <a:t>11/25/2023</a:t>
+              <a:t>11/27/2023</a:t>
             </a:fld>
             <a:endParaRPr lang="en-US" dirty="0"/>
           </a:p>
@@ -24117,7 +24117,7 @@
             <a:fld id="{B61BEF0D-F0BB-DE4B-95CE-6DB70DBA9567}" type="datetimeFigureOut">
               <a:rPr lang="en-US" smtClean="0"/>
               <a:pPr/>
-              <a:t>11/25/2023</a:t>
+              <a:t>11/27/2023</a:t>
             </a:fld>
             <a:endParaRPr lang="en-US" dirty="0"/>
           </a:p>
